--- a/Complimentary Course Content/Module3/Lessons/Module3_Lesson05 Developing Android Apps with Xamarin (Part 2).pptx
+++ b/Complimentary Course Content/Module3/Lessons/Module3_Lesson05 Developing Android Apps with Xamarin (Part 2).pptx
@@ -137,7 +137,7 @@
   </p:defaultTextStyle>
   <p:extLst>
     <p:ext uri="{EFAFB233-063F-42B5-8137-9DF3F51BA10A}">
-      <p15:sldGuideLst xmlns:p15="http://schemas.microsoft.com/office/powerpoint/2012/main" xmlns="">
+      <p15:sldGuideLst xmlns="" xmlns:p15="http://schemas.microsoft.com/office/powerpoint/2012/main">
         <p15:guide id="1" orient="horz" pos="2160">
           <p15:clr>
             <a:srgbClr val="A4A3A4"/>
@@ -151,7 +151,7 @@
       </p15:sldGuideLst>
     </p:ext>
     <p:ext uri="{2D200454-40CA-4A62-9FC3-DE9A4176ACB9}">
-      <p15:notesGuideLst xmlns:p15="http://schemas.microsoft.com/office/powerpoint/2012/main" xmlns="">
+      <p15:notesGuideLst xmlns="" xmlns:p15="http://schemas.microsoft.com/office/powerpoint/2012/main">
         <p15:guide id="1" orient="horz" pos="2880">
           <p15:clr>
             <a:srgbClr val="A4A3A4"/>
@@ -257,7 +257,7 @@
           <a:p>
             <a:fld id="{39B173BA-B17C-BC49-9732-4E5A18E89C75}" type="datetimeFigureOut">
               <a:rPr lang="en-US" smtClean="0"/>
-              <a:t>6/28/16</a:t>
+              <a:t>6/30/16</a:t>
             </a:fld>
             <a:endParaRPr lang="en-US"/>
           </a:p>
@@ -422,7 +422,7 @@
           <a:p>
             <a:fld id="{D371C69C-83E3-0941-8C41-0F3DBE262B4F}" type="datetimeFigureOut">
               <a:rPr lang="en-US" smtClean="0"/>
-              <a:t>6/28/16</a:t>
+              <a:t>6/30/16</a:t>
             </a:fld>
             <a:endParaRPr lang="en-US"/>
           </a:p>
@@ -3847,7 +3847,7 @@
           <a:p>
             <a:fld id="{0459C166-16D3-4A25-A2F8-C51E0E346B22}" type="datetimeFigureOut">
               <a:rPr lang="en-US" smtClean="0"/>
-              <a:t>6/28/16</a:t>
+              <a:t>6/30/16</a:t>
             </a:fld>
             <a:endParaRPr lang="en-US"/>
           </a:p>
@@ -4211,7 +4211,7 @@
           <a:p>
             <a:fld id="{0459C166-16D3-4A25-A2F8-C51E0E346B22}" type="datetimeFigureOut">
               <a:rPr lang="en-US" smtClean="0"/>
-              <a:t>6/28/16</a:t>
+              <a:t>6/30/16</a:t>
             </a:fld>
             <a:endParaRPr lang="en-US"/>
           </a:p>
@@ -4328,7 +4328,7 @@
           <a:p>
             <a:fld id="{0459C166-16D3-4A25-A2F8-C51E0E346B22}" type="datetimeFigureOut">
               <a:rPr lang="en-US" smtClean="0"/>
-              <a:t>6/28/16</a:t>
+              <a:t>6/30/16</a:t>
             </a:fld>
             <a:endParaRPr lang="en-US"/>
           </a:p>
@@ -4496,7 +4496,7 @@
           <a:p>
             <a:fld id="{0459C166-16D3-4A25-A2F8-C51E0E346B22}" type="datetimeFigureOut">
               <a:rPr lang="en-US" smtClean="0"/>
-              <a:t>6/28/16</a:t>
+              <a:t>6/30/16</a:t>
             </a:fld>
             <a:endParaRPr lang="en-US"/>
           </a:p>
@@ -4760,7 +4760,7 @@
             <a:fld id="{0459C166-16D3-4A25-A2F8-C51E0E346B22}" type="datetimeFigureOut">
               <a:rPr lang="en-US" smtClean="0"/>
               <a:pPr/>
-              <a:t>6/28/16</a:t>
+              <a:t>6/30/16</a:t>
             </a:fld>
             <a:endParaRPr lang="en-US"/>
           </a:p>
@@ -5076,7 +5076,7 @@
           <a:p>
             <a:fld id="{0459C166-16D3-4A25-A2F8-C51E0E346B22}" type="datetimeFigureOut">
               <a:rPr lang="en-US" smtClean="0"/>
-              <a:t>6/28/16</a:t>
+              <a:t>6/30/16</a:t>
             </a:fld>
             <a:endParaRPr lang="en-US"/>
           </a:p>
@@ -5473,7 +5473,7 @@
           <a:p>
             <a:fld id="{0459C166-16D3-4A25-A2F8-C51E0E346B22}" type="datetimeFigureOut">
               <a:rPr lang="en-US" smtClean="0"/>
-              <a:t>6/28/16</a:t>
+              <a:t>6/30/16</a:t>
             </a:fld>
             <a:endParaRPr lang="en-US"/>
           </a:p>
@@ -6436,7 +6436,7 @@
           <a:p>
             <a:fld id="{0459C166-16D3-4A25-A2F8-C51E0E346B22}" type="datetimeFigureOut">
               <a:rPr lang="en-US" smtClean="0"/>
-              <a:t>6/28/16</a:t>
+              <a:t>6/30/16</a:t>
             </a:fld>
             <a:endParaRPr lang="en-US"/>
           </a:p>
@@ -6647,7 +6647,7 @@
           <a:p>
             <a:fld id="{0459C166-16D3-4A25-A2F8-C51E0E346B22}" type="datetimeFigureOut">
               <a:rPr lang="en-US" smtClean="0"/>
-              <a:t>6/28/16</a:t>
+              <a:t>6/30/16</a:t>
             </a:fld>
             <a:endParaRPr lang="en-US"/>
           </a:p>
@@ -10422,7 +10422,7 @@
           <p:nvPr>
             <p:extLst>
               <p:ext uri="{D42A27DB-BD31-4B8C-83A1-F6EECF244321}">
-                <p14:modId xmlns:p14="http://schemas.microsoft.com/office/powerpoint/2010/main" val="4206624723"/>
+                <p14:modId xmlns:p14="http://schemas.microsoft.com/office/powerpoint/2010/main" val="3309594600"/>
               </p:ext>
             </p:extLst>
           </p:nvPr>
@@ -10441,14 +10441,14 @@
                 <a:gridCol w="3706437">
                   <a:extLst>
                     <a:ext uri="{9D8B030D-6E8A-4147-A177-3AD203B41FA5}">
-                      <a16:colId xmlns:a16="http://schemas.microsoft.com/office/drawing/2014/main" xmlns="" val="48614039"/>
+                      <a16:colId xmlns="" xmlns:a16="http://schemas.microsoft.com/office/drawing/2014/main" val="48614039"/>
                     </a:ext>
                   </a:extLst>
                 </a:gridCol>
                 <a:gridCol w="6742419">
                   <a:extLst>
                     <a:ext uri="{9D8B030D-6E8A-4147-A177-3AD203B41FA5}">
-                      <a16:colId xmlns:a16="http://schemas.microsoft.com/office/drawing/2014/main" xmlns="" val="1124546490"/>
+                      <a16:colId xmlns="" xmlns:a16="http://schemas.microsoft.com/office/drawing/2014/main" val="1124546490"/>
                     </a:ext>
                   </a:extLst>
                 </a:gridCol>
@@ -10461,7 +10461,7 @@
                     <a:p>
                       <a:pPr algn="ctr"/>
                       <a:r>
-                        <a:rPr lang="en-US" b="0" dirty="0">
+                        <a:rPr lang="en-US" b="1" dirty="0">
                           <a:solidFill>
                             <a:schemeClr val="bg1"/>
                           </a:solidFill>
@@ -10505,7 +10505,7 @@
                 </a:tc>
                 <a:extLst>
                   <a:ext uri="{0D108BD9-81ED-4DB2-BD59-A6C34878D82A}">
-                    <a16:rowId xmlns:a16="http://schemas.microsoft.com/office/drawing/2014/main" xmlns="" val="679667022"/>
+                    <a16:rowId xmlns="" xmlns:a16="http://schemas.microsoft.com/office/drawing/2014/main" val="679667022"/>
                   </a:ext>
                 </a:extLst>
               </a:tr>
@@ -10517,7 +10517,7 @@
                     <a:p>
                       <a:pPr algn="ctr"/>
                       <a:r>
-                        <a:rPr lang="en-US" sz="1800" dirty="0"/>
+                        <a:rPr lang="en-US" sz="1800" b="1" dirty="0"/>
                         <a:t>Layout</a:t>
                       </a:r>
                       <a:endParaRPr lang="en-US" b="1" dirty="0"/>
@@ -10553,7 +10553,7 @@
                 </a:tc>
                 <a:extLst>
                   <a:ext uri="{0D108BD9-81ED-4DB2-BD59-A6C34878D82A}">
-                    <a16:rowId xmlns:a16="http://schemas.microsoft.com/office/drawing/2014/main" xmlns="" val="2034482246"/>
+                    <a16:rowId xmlns="" xmlns:a16="http://schemas.microsoft.com/office/drawing/2014/main" val="2034482246"/>
                   </a:ext>
                 </a:extLst>
               </a:tr>
@@ -10565,7 +10565,7 @@
                     <a:p>
                       <a:pPr algn="ctr"/>
                       <a:r>
-                        <a:rPr lang="en-US" sz="1800" dirty="0" err="1"/>
+                        <a:rPr lang="en-US" sz="1800" b="1" dirty="0" err="1"/>
                         <a:t>Drawable</a:t>
                       </a:r>
                       <a:endParaRPr lang="en-US" b="1" dirty="0"/>
@@ -10601,7 +10601,7 @@
                 </a:tc>
                 <a:extLst>
                   <a:ext uri="{0D108BD9-81ED-4DB2-BD59-A6C34878D82A}">
-                    <a16:rowId xmlns:a16="http://schemas.microsoft.com/office/drawing/2014/main" xmlns="" val="682465758"/>
+                    <a16:rowId xmlns="" xmlns:a16="http://schemas.microsoft.com/office/drawing/2014/main" val="682465758"/>
                   </a:ext>
                 </a:extLst>
               </a:tr>
@@ -10613,7 +10613,7 @@
                     <a:p>
                       <a:pPr algn="ctr"/>
                       <a:r>
-                        <a:rPr lang="en-US" b="0" dirty="0"/>
+                        <a:rPr lang="en-US" b="1" dirty="0"/>
                         <a:t>Values</a:t>
                       </a:r>
                     </a:p>
@@ -10648,7 +10648,7 @@
                 </a:tc>
                 <a:extLst>
                   <a:ext uri="{0D108BD9-81ED-4DB2-BD59-A6C34878D82A}">
-                    <a16:rowId xmlns:a16="http://schemas.microsoft.com/office/drawing/2014/main" xmlns="" val="4230228483"/>
+                    <a16:rowId xmlns="" xmlns:a16="http://schemas.microsoft.com/office/drawing/2014/main" val="4230228483"/>
                   </a:ext>
                 </a:extLst>
               </a:tr>
@@ -14374,7 +14374,7 @@
   <a:extraClrSchemeLst/>
   <a:extLst>
     <a:ext uri="{05A4C25C-085E-4340-85A3-A5531E510DB2}">
-      <thm15:themeFamily xmlns:thm15="http://schemas.microsoft.com/office/thememl/2012/main" xmlns="" name="Office Theme" id="{62F939B6-93AF-4DB8-9C6B-D6C7DFDC589F}" vid="{4A3C46E8-61CC-4603-A589-7422A47A8E4A}"/>
+      <thm15:themeFamily xmlns="" xmlns:thm15="http://schemas.microsoft.com/office/thememl/2012/main" name="Office Theme" id="{62F939B6-93AF-4DB8-9C6B-D6C7DFDC589F}" vid="{4A3C46E8-61CC-4603-A589-7422A47A8E4A}"/>
     </a:ext>
   </a:extLst>
 </a:theme>

--- a/Complimentary Course Content/Module3/Lessons/Module3_Lesson05 Developing Android Apps with Xamarin (Part 2).pptx
+++ b/Complimentary Course Content/Module3/Lessons/Module3_Lesson05 Developing Android Apps with Xamarin (Part 2).pptx
@@ -137,7 +137,7 @@
   </p:defaultTextStyle>
   <p:extLst>
     <p:ext uri="{EFAFB233-063F-42B5-8137-9DF3F51BA10A}">
-      <p15:sldGuideLst xmlns="" xmlns:p15="http://schemas.microsoft.com/office/powerpoint/2012/main">
+      <p15:sldGuideLst xmlns:p15="http://schemas.microsoft.com/office/powerpoint/2012/main" xmlns="">
         <p15:guide id="1" orient="horz" pos="2160">
           <p15:clr>
             <a:srgbClr val="A4A3A4"/>
@@ -151,7 +151,7 @@
       </p15:sldGuideLst>
     </p:ext>
     <p:ext uri="{2D200454-40CA-4A62-9FC3-DE9A4176ACB9}">
-      <p15:notesGuideLst xmlns="" xmlns:p15="http://schemas.microsoft.com/office/powerpoint/2012/main">
+      <p15:notesGuideLst xmlns:p15="http://schemas.microsoft.com/office/powerpoint/2012/main" xmlns="">
         <p15:guide id="1" orient="horz" pos="2880">
           <p15:clr>
             <a:srgbClr val="A4A3A4"/>
@@ -257,7 +257,7 @@
           <a:p>
             <a:fld id="{39B173BA-B17C-BC49-9732-4E5A18E89C75}" type="datetimeFigureOut">
               <a:rPr lang="en-US" smtClean="0"/>
-              <a:t>6/30/16</a:t>
+              <a:t>7/12/16</a:t>
             </a:fld>
             <a:endParaRPr lang="en-US"/>
           </a:p>
@@ -422,7 +422,7 @@
           <a:p>
             <a:fld id="{D371C69C-83E3-0941-8C41-0F3DBE262B4F}" type="datetimeFigureOut">
               <a:rPr lang="en-US" smtClean="0"/>
-              <a:t>6/30/16</a:t>
+              <a:t>7/12/16</a:t>
             </a:fld>
             <a:endParaRPr lang="en-US"/>
           </a:p>
@@ -1954,7 +1954,60 @@
           <a:bodyPr/>
           <a:lstStyle/>
           <a:p>
-            <a:endParaRPr lang="en-US" dirty="0"/>
+            <a:r>
+              <a:rPr lang="en-US" b="1" dirty="0" smtClean="0"/>
+              <a:t>Notes:</a:t>
+            </a:r>
+            <a:endParaRPr lang="en-US" b="0" dirty="0" smtClean="0"/>
+          </a:p>
+          <a:p>
+            <a:pPr marL="171450" indent="-171450">
+              <a:buFont typeface="Arial"/>
+              <a:buChar char="•"/>
+            </a:pPr>
+            <a:r>
+              <a:rPr lang="en-US" b="0" dirty="0" smtClean="0"/>
+              <a:t>The</a:t>
+            </a:r>
+            <a:r>
+              <a:rPr lang="en-US" b="0" baseline="0" dirty="0" smtClean="0"/>
+              <a:t> Module 3 Lesson 5 Lab should be completed at this time:</a:t>
+            </a:r>
+          </a:p>
+          <a:p>
+            <a:pPr marL="628650" lvl="1" indent="-171450">
+              <a:buFont typeface="Arial"/>
+              <a:buChar char="•"/>
+            </a:pPr>
+            <a:r>
+              <a:rPr lang="en-US" b="0" dirty="0" smtClean="0"/>
+              <a:t>https://</a:t>
+            </a:r>
+            <a:r>
+              <a:rPr lang="en-US" b="0" dirty="0" err="1" smtClean="0"/>
+              <a:t>github.com</a:t>
+            </a:r>
+            <a:r>
+              <a:rPr lang="en-US" b="0" dirty="0" smtClean="0"/>
+              <a:t>/</a:t>
+            </a:r>
+            <a:r>
+              <a:rPr lang="en-US" b="0" dirty="0" err="1" smtClean="0"/>
+              <a:t>MSFTImagine</a:t>
+            </a:r>
+            <a:r>
+              <a:rPr lang="en-US" b="0" dirty="0" smtClean="0"/>
+              <a:t>/</a:t>
+            </a:r>
+            <a:r>
+              <a:rPr lang="en-US" b="0" dirty="0" err="1" smtClean="0"/>
+              <a:t>computerscience</a:t>
+            </a:r>
+            <a:r>
+              <a:rPr lang="en-US" b="0" dirty="0" smtClean="0"/>
+              <a:t>/tree/master/Complimentary%20Course%20Content/Module3/Labs</a:t>
+            </a:r>
+            <a:endParaRPr lang="en-US" b="0" dirty="0"/>
           </a:p>
         </p:txBody>
       </p:sp>
@@ -3847,7 +3900,7 @@
           <a:p>
             <a:fld id="{0459C166-16D3-4A25-A2F8-C51E0E346B22}" type="datetimeFigureOut">
               <a:rPr lang="en-US" smtClean="0"/>
-              <a:t>6/30/16</a:t>
+              <a:t>7/12/16</a:t>
             </a:fld>
             <a:endParaRPr lang="en-US"/>
           </a:p>
@@ -4211,7 +4264,7 @@
           <a:p>
             <a:fld id="{0459C166-16D3-4A25-A2F8-C51E0E346B22}" type="datetimeFigureOut">
               <a:rPr lang="en-US" smtClean="0"/>
-              <a:t>6/30/16</a:t>
+              <a:t>7/12/16</a:t>
             </a:fld>
             <a:endParaRPr lang="en-US"/>
           </a:p>
@@ -4328,7 +4381,7 @@
           <a:p>
             <a:fld id="{0459C166-16D3-4A25-A2F8-C51E0E346B22}" type="datetimeFigureOut">
               <a:rPr lang="en-US" smtClean="0"/>
-              <a:t>6/30/16</a:t>
+              <a:t>7/12/16</a:t>
             </a:fld>
             <a:endParaRPr lang="en-US"/>
           </a:p>
@@ -4496,7 +4549,7 @@
           <a:p>
             <a:fld id="{0459C166-16D3-4A25-A2F8-C51E0E346B22}" type="datetimeFigureOut">
               <a:rPr lang="en-US" smtClean="0"/>
-              <a:t>6/30/16</a:t>
+              <a:t>7/12/16</a:t>
             </a:fld>
             <a:endParaRPr lang="en-US"/>
           </a:p>
@@ -4760,7 +4813,7 @@
             <a:fld id="{0459C166-16D3-4A25-A2F8-C51E0E346B22}" type="datetimeFigureOut">
               <a:rPr lang="en-US" smtClean="0"/>
               <a:pPr/>
-              <a:t>6/30/16</a:t>
+              <a:t>7/12/16</a:t>
             </a:fld>
             <a:endParaRPr lang="en-US"/>
           </a:p>
@@ -5076,7 +5129,7 @@
           <a:p>
             <a:fld id="{0459C166-16D3-4A25-A2F8-C51E0E346B22}" type="datetimeFigureOut">
               <a:rPr lang="en-US" smtClean="0"/>
-              <a:t>6/30/16</a:t>
+              <a:t>7/12/16</a:t>
             </a:fld>
             <a:endParaRPr lang="en-US"/>
           </a:p>
@@ -5473,7 +5526,7 @@
           <a:p>
             <a:fld id="{0459C166-16D3-4A25-A2F8-C51E0E346B22}" type="datetimeFigureOut">
               <a:rPr lang="en-US" smtClean="0"/>
-              <a:t>6/30/16</a:t>
+              <a:t>7/12/16</a:t>
             </a:fld>
             <a:endParaRPr lang="en-US"/>
           </a:p>
@@ -6436,7 +6489,7 @@
           <a:p>
             <a:fld id="{0459C166-16D3-4A25-A2F8-C51E0E346B22}" type="datetimeFigureOut">
               <a:rPr lang="en-US" smtClean="0"/>
-              <a:t>6/30/16</a:t>
+              <a:t>7/12/16</a:t>
             </a:fld>
             <a:endParaRPr lang="en-US"/>
           </a:p>
@@ -6647,7 +6700,7 @@
           <a:p>
             <a:fld id="{0459C166-16D3-4A25-A2F8-C51E0E346B22}" type="datetimeFigureOut">
               <a:rPr lang="en-US" smtClean="0"/>
-              <a:t>6/30/16</a:t>
+              <a:t>7/12/16</a:t>
             </a:fld>
             <a:endParaRPr lang="en-US"/>
           </a:p>
@@ -10441,14 +10494,14 @@
                 <a:gridCol w="3706437">
                   <a:extLst>
                     <a:ext uri="{9D8B030D-6E8A-4147-A177-3AD203B41FA5}">
-                      <a16:colId xmlns="" xmlns:a16="http://schemas.microsoft.com/office/drawing/2014/main" val="48614039"/>
+                      <a16:colId xmlns:a16="http://schemas.microsoft.com/office/drawing/2014/main" xmlns="" val="48614039"/>
                     </a:ext>
                   </a:extLst>
                 </a:gridCol>
                 <a:gridCol w="6742419">
                   <a:extLst>
                     <a:ext uri="{9D8B030D-6E8A-4147-A177-3AD203B41FA5}">
-                      <a16:colId xmlns="" xmlns:a16="http://schemas.microsoft.com/office/drawing/2014/main" val="1124546490"/>
+                      <a16:colId xmlns:a16="http://schemas.microsoft.com/office/drawing/2014/main" xmlns="" val="1124546490"/>
                     </a:ext>
                   </a:extLst>
                 </a:gridCol>
@@ -10505,7 +10558,7 @@
                 </a:tc>
                 <a:extLst>
                   <a:ext uri="{0D108BD9-81ED-4DB2-BD59-A6C34878D82A}">
-                    <a16:rowId xmlns="" xmlns:a16="http://schemas.microsoft.com/office/drawing/2014/main" val="679667022"/>
+                    <a16:rowId xmlns:a16="http://schemas.microsoft.com/office/drawing/2014/main" xmlns="" val="679667022"/>
                   </a:ext>
                 </a:extLst>
               </a:tr>
@@ -10553,7 +10606,7 @@
                 </a:tc>
                 <a:extLst>
                   <a:ext uri="{0D108BD9-81ED-4DB2-BD59-A6C34878D82A}">
-                    <a16:rowId xmlns="" xmlns:a16="http://schemas.microsoft.com/office/drawing/2014/main" val="2034482246"/>
+                    <a16:rowId xmlns:a16="http://schemas.microsoft.com/office/drawing/2014/main" xmlns="" val="2034482246"/>
                   </a:ext>
                 </a:extLst>
               </a:tr>
@@ -10601,7 +10654,7 @@
                 </a:tc>
                 <a:extLst>
                   <a:ext uri="{0D108BD9-81ED-4DB2-BD59-A6C34878D82A}">
-                    <a16:rowId xmlns="" xmlns:a16="http://schemas.microsoft.com/office/drawing/2014/main" val="682465758"/>
+                    <a16:rowId xmlns:a16="http://schemas.microsoft.com/office/drawing/2014/main" xmlns="" val="682465758"/>
                   </a:ext>
                 </a:extLst>
               </a:tr>
@@ -10648,7 +10701,7 @@
                 </a:tc>
                 <a:extLst>
                   <a:ext uri="{0D108BD9-81ED-4DB2-BD59-A6C34878D82A}">
-                    <a16:rowId xmlns="" xmlns:a16="http://schemas.microsoft.com/office/drawing/2014/main" val="4230228483"/>
+                    <a16:rowId xmlns:a16="http://schemas.microsoft.com/office/drawing/2014/main" xmlns="" val="4230228483"/>
                   </a:ext>
                 </a:extLst>
               </a:tr>
@@ -14374,7 +14427,7 @@
   <a:extraClrSchemeLst/>
   <a:extLst>
     <a:ext uri="{05A4C25C-085E-4340-85A3-A5531E510DB2}">
-      <thm15:themeFamily xmlns="" xmlns:thm15="http://schemas.microsoft.com/office/thememl/2012/main" name="Office Theme" id="{62F939B6-93AF-4DB8-9C6B-D6C7DFDC589F}" vid="{4A3C46E8-61CC-4603-A589-7422A47A8E4A}"/>
+      <thm15:themeFamily xmlns:thm15="http://schemas.microsoft.com/office/thememl/2012/main" xmlns="" name="Office Theme" id="{62F939B6-93AF-4DB8-9C6B-D6C7DFDC589F}" vid="{4A3C46E8-61CC-4603-A589-7422A47A8E4A}"/>
     </a:ext>
   </a:extLst>
 </a:theme>

--- a/Complimentary Course Content/Module3/Lessons/Module3_Lesson05 Developing Android Apps with Xamarin (Part 2).pptx
+++ b/Complimentary Course Content/Module3/Lessons/Module3_Lesson05 Developing Android Apps with Xamarin (Part 2).pptx
@@ -137,7 +137,7 @@
   </p:defaultTextStyle>
   <p:extLst>
     <p:ext uri="{EFAFB233-063F-42B5-8137-9DF3F51BA10A}">
-      <p15:sldGuideLst xmlns:p15="http://schemas.microsoft.com/office/powerpoint/2012/main" xmlns="">
+      <p15:sldGuideLst xmlns:p15="http://schemas.microsoft.com/office/powerpoint/2012/main">
         <p15:guide id="1" orient="horz" pos="2160">
           <p15:clr>
             <a:srgbClr val="A4A3A4"/>
@@ -151,7 +151,7 @@
       </p15:sldGuideLst>
     </p:ext>
     <p:ext uri="{2D200454-40CA-4A62-9FC3-DE9A4176ACB9}">
-      <p15:notesGuideLst xmlns:p15="http://schemas.microsoft.com/office/powerpoint/2012/main" xmlns="">
+      <p15:notesGuideLst xmlns:p15="http://schemas.microsoft.com/office/powerpoint/2012/main">
         <p15:guide id="1" orient="horz" pos="2880">
           <p15:clr>
             <a:srgbClr val="A4A3A4"/>
@@ -257,7 +257,7 @@
           <a:p>
             <a:fld id="{39B173BA-B17C-BC49-9732-4E5A18E89C75}" type="datetimeFigureOut">
               <a:rPr lang="en-US" smtClean="0"/>
-              <a:t>7/12/16</a:t>
+              <a:t>9/9/16</a:t>
             </a:fld>
             <a:endParaRPr lang="en-US"/>
           </a:p>
@@ -422,7 +422,7 @@
           <a:p>
             <a:fld id="{D371C69C-83E3-0941-8C41-0F3DBE262B4F}" type="datetimeFigureOut">
               <a:rPr lang="en-US" smtClean="0"/>
-              <a:t>7/12/16</a:t>
+              <a:t>9/9/16</a:t>
             </a:fld>
             <a:endParaRPr lang="en-US"/>
           </a:p>
@@ -733,7 +733,118 @@
           <a:bodyPr/>
           <a:lstStyle/>
           <a:p>
-            <a:endParaRPr lang="en-US" dirty="0"/>
+            <a:r>
+              <a:rPr lang="en-US" sz="1200" b="0" i="0" kern="1200" dirty="0" smtClean="0">
+                <a:solidFill>
+                  <a:schemeClr val="tx1"/>
+                </a:solidFill>
+                <a:effectLst/>
+                <a:latin typeface="+mn-lt"/>
+                <a:ea typeface="+mn-ea"/>
+                <a:cs typeface="+mn-cs"/>
+              </a:rPr>
+              <a:t>Images and excerpts from </a:t>
+            </a:r>
+            <a:r>
+              <a:rPr lang="en-US" sz="1200" b="0" i="1" kern="1200" dirty="0" err="1" smtClean="0">
+                <a:solidFill>
+                  <a:schemeClr val="tx1"/>
+                </a:solidFill>
+                <a:effectLst/>
+                <a:latin typeface="+mn-lt"/>
+                <a:ea typeface="+mn-ea"/>
+                <a:cs typeface="+mn-cs"/>
+              </a:rPr>
+              <a:t>Xamarin</a:t>
+            </a:r>
+            <a:r>
+              <a:rPr lang="en-US" sz="1200" b="0" i="1" kern="1200" dirty="0" smtClean="0">
+                <a:solidFill>
+                  <a:schemeClr val="tx1"/>
+                </a:solidFill>
+                <a:effectLst/>
+                <a:latin typeface="+mn-lt"/>
+                <a:ea typeface="+mn-ea"/>
+                <a:cs typeface="+mn-cs"/>
+              </a:rPr>
+              <a:t> Mobile Application Development </a:t>
+            </a:r>
+            <a:r>
+              <a:rPr lang="en-US" sz="1200" b="0" i="0" kern="1200" dirty="0" smtClean="0">
+                <a:solidFill>
+                  <a:schemeClr val="tx1"/>
+                </a:solidFill>
+                <a:effectLst/>
+                <a:latin typeface="+mn-lt"/>
+                <a:ea typeface="+mn-ea"/>
+                <a:cs typeface="+mn-cs"/>
+              </a:rPr>
+              <a:t>by Dan Hermes, published by </a:t>
+            </a:r>
+            <a:r>
+              <a:rPr lang="en-US" sz="1200" b="0" i="0" kern="1200" dirty="0" err="1" smtClean="0">
+                <a:solidFill>
+                  <a:schemeClr val="tx1"/>
+                </a:solidFill>
+                <a:effectLst/>
+                <a:latin typeface="+mn-lt"/>
+                <a:ea typeface="+mn-ea"/>
+                <a:cs typeface="+mn-cs"/>
+              </a:rPr>
+              <a:t>Apress</a:t>
+            </a:r>
+            <a:r>
+              <a:rPr lang="en-US" sz="1200" b="0" i="0" kern="1200" dirty="0" smtClean="0">
+                <a:solidFill>
+                  <a:schemeClr val="tx1"/>
+                </a:solidFill>
+                <a:effectLst/>
+                <a:latin typeface="+mn-lt"/>
+                <a:ea typeface="+mn-ea"/>
+                <a:cs typeface="+mn-cs"/>
+              </a:rPr>
+              <a:t>  </a:t>
+            </a:r>
+          </a:p>
+          <a:p>
+            <a:r>
+              <a:rPr lang="en-US" sz="1200" b="0" i="0" kern="1200" dirty="0" smtClean="0">
+                <a:solidFill>
+                  <a:schemeClr val="tx1"/>
+                </a:solidFill>
+                <a:effectLst/>
+                <a:latin typeface="+mn-lt"/>
+                <a:ea typeface="+mn-ea"/>
+                <a:cs typeface="+mn-cs"/>
+                <a:hlinkClick r:id="rId3"/>
+              </a:rPr>
+              <a:t>http://www.mobilecsharpcafe.com/xamarin</a:t>
+            </a:r>
+            <a:r>
+              <a:rPr lang="en-US" sz="1200" b="0" i="0" kern="1200" smtClean="0">
+                <a:solidFill>
+                  <a:schemeClr val="tx1"/>
+                </a:solidFill>
+                <a:effectLst/>
+                <a:latin typeface="+mn-lt"/>
+                <a:ea typeface="+mn-ea"/>
+                <a:cs typeface="+mn-cs"/>
+                <a:hlinkClick r:id="rId3"/>
+              </a:rPr>
+              <a:t>-book/</a:t>
+            </a:r>
+            <a:endParaRPr lang="en-US" sz="1200" b="0" i="0" kern="1200" smtClean="0">
+              <a:solidFill>
+                <a:schemeClr val="tx1"/>
+              </a:solidFill>
+              <a:effectLst/>
+              <a:latin typeface="+mn-lt"/>
+              <a:ea typeface="+mn-ea"/>
+              <a:cs typeface="+mn-cs"/>
+            </a:endParaRPr>
+          </a:p>
+          <a:p>
+            <a:endParaRPr lang="en-US"/>
           </a:p>
         </p:txBody>
       </p:sp>
@@ -752,9 +863,9 @@
           <a:bodyPr/>
           <a:lstStyle/>
           <a:p>
-            <a:fld id="{01283FAC-A721-45A3-BBDE-EAF2B09B7CD9}" type="slidenum">
+            <a:fld id="{D28449F4-1C3C-714A-886B-853F0E87EACF}" type="slidenum">
               <a:rPr lang="en-US" smtClean="0"/>
-              <a:t>3</a:t>
+              <a:t>1</a:t>
             </a:fld>
             <a:endParaRPr lang="en-US"/>
           </a:p>
@@ -763,7 +874,7 @@
     </p:spTree>
     <p:extLst>
       <p:ext uri="{BB962C8B-B14F-4D97-AF65-F5344CB8AC3E}">
-        <p14:creationId xmlns:p14="http://schemas.microsoft.com/office/powerpoint/2010/main" val="1409131640"/>
+        <p14:creationId xmlns:p14="http://schemas.microsoft.com/office/powerpoint/2010/main" val="534331291"/>
       </p:ext>
     </p:extLst>
   </p:cSld>
@@ -840,37 +951,76 @@
             </a:r>
           </a:p>
           <a:p>
-            <a:pPr marL="171450" marR="0" indent="-171450" algn="l" defTabSz="914400" rtl="0" eaLnBrk="0" fontAlgn="base" latinLnBrk="0" hangingPunct="0">
-              <a:lnSpc>
-                <a:spcPct val="100000"/>
-              </a:lnSpc>
-              <a:spcBef>
-                <a:spcPct val="30000"/>
-              </a:spcBef>
-              <a:spcAft>
-                <a:spcPct val="0"/>
-              </a:spcAft>
-              <a:buClrTx/>
-              <a:buSzTx/>
+            <a:pPr marL="171450" indent="-171450">
               <a:buFont typeface="Arial"/>
               <a:buChar char="•"/>
-              <a:tabLst/>
-              <a:defRPr/>
-            </a:pPr>
-            <a:r>
-              <a:rPr lang="en-US" dirty="0"/>
-              <a:t>Intents</a:t>
-            </a:r>
-            <a:r>
-              <a:rPr lang="en-US" baseline="0" dirty="0"/>
-              <a:t> have built-in bundles.</a:t>
-            </a:r>
-          </a:p>
-          <a:p>
-            <a:pPr marL="0" indent="0">
-              <a:buFont typeface="Arial"/>
-              <a:buNone/>
-            </a:pPr>
+            </a:pPr>
+            <a:r>
+              <a:rPr lang="en-US" sz="1200" b="0" i="0" u="none" strike="noStrike" kern="1200" baseline="0" dirty="0">
+                <a:solidFill>
+                  <a:schemeClr val="tx1"/>
+                </a:solidFill>
+                <a:latin typeface="+mn-lt"/>
+                <a:ea typeface="+mn-ea"/>
+                <a:cs typeface="+mn-cs"/>
+              </a:rPr>
+              <a:t>Intents create and navigate to new screens on Android. Instantiate an intent with the parameter of </a:t>
+            </a:r>
+            <a:r>
+              <a:rPr lang="en-US" sz="1200" b="0" i="0" u="none" strike="noStrike" kern="1200" baseline="0" dirty="0" smtClean="0">
+                <a:solidFill>
+                  <a:schemeClr val="tx1"/>
+                </a:solidFill>
+                <a:latin typeface="+mn-lt"/>
+                <a:ea typeface="+mn-ea"/>
+                <a:cs typeface="+mn-cs"/>
+              </a:rPr>
+              <a:t>the desired </a:t>
+            </a:r>
+            <a:r>
+              <a:rPr lang="en-US" sz="1200" b="0" i="0" u="none" strike="noStrike" kern="1200" baseline="0" dirty="0">
+                <a:solidFill>
+                  <a:schemeClr val="tx1"/>
+                </a:solidFill>
+                <a:latin typeface="+mn-lt"/>
+                <a:ea typeface="+mn-ea"/>
+                <a:cs typeface="+mn-cs"/>
+              </a:rPr>
+              <a:t>new activity, and then call the </a:t>
+            </a:r>
+            <a:r>
+              <a:rPr lang="en-US" sz="1200" b="0" i="0" u="none" strike="noStrike" kern="1200" baseline="0" dirty="0" err="1">
+                <a:solidFill>
+                  <a:schemeClr val="tx1"/>
+                </a:solidFill>
+                <a:latin typeface="+mn-lt"/>
+                <a:ea typeface="+mn-ea"/>
+                <a:cs typeface="+mn-cs"/>
+              </a:rPr>
+              <a:t>Activity.StartActivity</a:t>
+            </a:r>
+            <a:r>
+              <a:rPr lang="en-US" sz="1200" b="0" i="0" u="none" strike="noStrike" kern="1200" baseline="0" dirty="0">
+                <a:solidFill>
+                  <a:schemeClr val="tx1"/>
+                </a:solidFill>
+                <a:latin typeface="+mn-lt"/>
+                <a:ea typeface="+mn-ea"/>
+                <a:cs typeface="+mn-cs"/>
+              </a:rPr>
+              <a:t> method, passing in the intent</a:t>
+            </a:r>
+            <a:r>
+              <a:rPr lang="en-US" sz="1200" b="0" i="0" u="none" strike="noStrike" kern="1200" baseline="0" dirty="0" smtClean="0">
+                <a:solidFill>
+                  <a:schemeClr val="tx1"/>
+                </a:solidFill>
+                <a:latin typeface="+mn-lt"/>
+                <a:ea typeface="+mn-ea"/>
+                <a:cs typeface="+mn-cs"/>
+              </a:rPr>
+              <a:t>.</a:t>
+            </a:r>
             <a:endParaRPr lang="en-US" dirty="0"/>
           </a:p>
         </p:txBody>
@@ -898,7 +1048,7 @@
               <a:pPr>
                 <a:defRPr/>
               </a:pPr>
-              <a:t>19</a:t>
+              <a:t>18</a:t>
             </a:fld>
             <a:endParaRPr lang="en-US"/>
           </a:p>
@@ -907,7 +1057,7 @@
     </p:spTree>
     <p:extLst>
       <p:ext uri="{BB962C8B-B14F-4D97-AF65-F5344CB8AC3E}">
-        <p14:creationId xmlns:p14="http://schemas.microsoft.com/office/powerpoint/2010/main" val="2916975325"/>
+        <p14:creationId xmlns:p14="http://schemas.microsoft.com/office/powerpoint/2010/main" val="3040930827"/>
       </p:ext>
     </p:extLst>
   </p:cSld>
@@ -982,7 +1132,6 @@
               <a:rPr lang="en-US" b="1" dirty="0"/>
               <a:t>Notes:</a:t>
             </a:r>
-            <a:endParaRPr lang="en-US" dirty="0"/>
           </a:p>
           <a:p>
             <a:pPr marL="171450" marR="0" indent="-171450" algn="l" defTabSz="914400" rtl="0" eaLnBrk="0" fontAlgn="base" latinLnBrk="0" hangingPunct="0">
@@ -1003,17 +1152,19 @@
               <a:defRPr/>
             </a:pPr>
             <a:r>
-              <a:rPr lang="en-US" dirty="0" err="1"/>
-              <a:t>AdvancedAppLifecycleDemos</a:t>
-            </a:r>
-            <a:r>
               <a:rPr lang="en-US" dirty="0"/>
-              <a:t> - </a:t>
-            </a:r>
-            <a:r>
-              <a:rPr lang="en-US" dirty="0" err="1"/>
-              <a:t>AppInstance</a:t>
-            </a:r>
+              <a:t>Intents</a:t>
+            </a:r>
+            <a:r>
+              <a:rPr lang="en-US" baseline="0" dirty="0"/>
+              <a:t> have built-in bundles.</a:t>
+            </a:r>
+          </a:p>
+          <a:p>
+            <a:pPr marL="0" indent="0">
+              <a:buFont typeface="Arial"/>
+              <a:buNone/>
+            </a:pPr>
             <a:endParaRPr lang="en-US" dirty="0"/>
           </a:p>
         </p:txBody>
@@ -1041,7 +1192,7 @@
               <a:pPr>
                 <a:defRPr/>
               </a:pPr>
-              <a:t>20</a:t>
+              <a:t>19</a:t>
             </a:fld>
             <a:endParaRPr lang="en-US"/>
           </a:p>
@@ -1050,7 +1201,7 @@
     </p:spTree>
     <p:extLst>
       <p:ext uri="{BB962C8B-B14F-4D97-AF65-F5344CB8AC3E}">
-        <p14:creationId xmlns:p14="http://schemas.microsoft.com/office/powerpoint/2010/main" val="1905371264"/>
+        <p14:creationId xmlns:p14="http://schemas.microsoft.com/office/powerpoint/2010/main" val="2916975325"/>
       </p:ext>
     </p:extLst>
   </p:cSld>
@@ -1104,6 +1255,59 @@
           <a:bodyPr/>
           <a:lstStyle/>
           <a:p>
+            <a:pPr marL="0" marR="0" indent="0" algn="l" defTabSz="914400" rtl="0" eaLnBrk="0" fontAlgn="base" latinLnBrk="0" hangingPunct="0">
+              <a:lnSpc>
+                <a:spcPct val="100000"/>
+              </a:lnSpc>
+              <a:spcBef>
+                <a:spcPct val="30000"/>
+              </a:spcBef>
+              <a:spcAft>
+                <a:spcPct val="0"/>
+              </a:spcAft>
+              <a:buClrTx/>
+              <a:buSzTx/>
+              <a:buFont typeface="Arial"/>
+              <a:buNone/>
+              <a:tabLst/>
+              <a:defRPr/>
+            </a:pPr>
+            <a:r>
+              <a:rPr lang="en-US" b="1" dirty="0"/>
+              <a:t>Notes:</a:t>
+            </a:r>
+            <a:endParaRPr lang="en-US" dirty="0"/>
+          </a:p>
+          <a:p>
+            <a:pPr marL="171450" marR="0" indent="-171450" algn="l" defTabSz="914400" rtl="0" eaLnBrk="0" fontAlgn="base" latinLnBrk="0" hangingPunct="0">
+              <a:lnSpc>
+                <a:spcPct val="100000"/>
+              </a:lnSpc>
+              <a:spcBef>
+                <a:spcPct val="30000"/>
+              </a:spcBef>
+              <a:spcAft>
+                <a:spcPct val="0"/>
+              </a:spcAft>
+              <a:buClrTx/>
+              <a:buSzTx/>
+              <a:buFont typeface="Arial"/>
+              <a:buChar char="•"/>
+              <a:tabLst/>
+              <a:defRPr/>
+            </a:pPr>
+            <a:r>
+              <a:rPr lang="en-US" dirty="0" err="1"/>
+              <a:t>AdvancedAppLifecycleDemos</a:t>
+            </a:r>
+            <a:r>
+              <a:rPr lang="en-US" dirty="0"/>
+              <a:t> - </a:t>
+            </a:r>
+            <a:r>
+              <a:rPr lang="en-US" dirty="0" err="1"/>
+              <a:t>AppInstance</a:t>
+            </a:r>
             <a:endParaRPr lang="en-US" dirty="0"/>
           </a:p>
         </p:txBody>
@@ -1131,7 +1335,7 @@
               <a:pPr>
                 <a:defRPr/>
               </a:pPr>
-              <a:t>21</a:t>
+              <a:t>20</a:t>
             </a:fld>
             <a:endParaRPr lang="en-US"/>
           </a:p>
@@ -1140,7 +1344,7 @@
     </p:spTree>
     <p:extLst>
       <p:ext uri="{BB962C8B-B14F-4D97-AF65-F5344CB8AC3E}">
-        <p14:creationId xmlns:p14="http://schemas.microsoft.com/office/powerpoint/2010/main" val="508849903"/>
+        <p14:creationId xmlns:p14="http://schemas.microsoft.com/office/powerpoint/2010/main" val="1905371264"/>
       </p:ext>
     </p:extLst>
   </p:cSld>
@@ -1194,74 +1398,7 @@
           <a:bodyPr/>
           <a:lstStyle/>
           <a:p>
-            <a:pPr marL="171450" marR="0" lvl="0" indent="-171450" algn="l" defTabSz="914400" rtl="0" eaLnBrk="1" fontAlgn="auto" latinLnBrk="0" hangingPunct="1">
-              <a:lnSpc>
-                <a:spcPct val="100000"/>
-              </a:lnSpc>
-              <a:spcBef>
-                <a:spcPts val="0"/>
-              </a:spcBef>
-              <a:spcAft>
-                <a:spcPts val="0"/>
-              </a:spcAft>
-              <a:buClrTx/>
-              <a:buSzTx/>
-              <a:buFont typeface="Arial" panose="020B0604020202020204" pitchFamily="34" charset="0"/>
-              <a:buNone/>
-              <a:tabLst/>
-              <a:defRPr/>
-            </a:pPr>
-            <a:r>
-              <a:rPr lang="en-US" b="1" dirty="0"/>
-              <a:t>References:</a:t>
-            </a:r>
-          </a:p>
-          <a:p>
-            <a:pPr marL="171450" marR="0" lvl="0" indent="-171450" algn="l" defTabSz="914400" rtl="0" eaLnBrk="1" fontAlgn="auto" latinLnBrk="0" hangingPunct="1">
-              <a:lnSpc>
-                <a:spcPct val="100000"/>
-              </a:lnSpc>
-              <a:spcBef>
-                <a:spcPts val="0"/>
-              </a:spcBef>
-              <a:spcAft>
-                <a:spcPts val="0"/>
-              </a:spcAft>
-              <a:buClrTx/>
-              <a:buSzTx/>
-              <a:buFont typeface="Arial" panose="020B0604020202020204" pitchFamily="34" charset="0"/>
-              <a:buChar char="•"/>
-              <a:tabLst/>
-              <a:defRPr/>
-            </a:pPr>
-            <a:r>
-              <a:rPr lang="en-US" dirty="0"/>
-              <a:t>Android resources: https://</a:t>
-            </a:r>
-            <a:r>
-              <a:rPr lang="en-US" dirty="0" err="1"/>
-              <a:t>developer.xamarin.com</a:t>
-            </a:r>
-            <a:r>
-              <a:rPr lang="en-US" dirty="0"/>
-              <a:t>/guides/android/</a:t>
-            </a:r>
-            <a:r>
-              <a:rPr lang="en-US" dirty="0" err="1"/>
-              <a:t>application_fundamentals</a:t>
-            </a:r>
-            <a:r>
-              <a:rPr lang="en-US" dirty="0"/>
-              <a:t>/</a:t>
-            </a:r>
-            <a:r>
-              <a:rPr lang="en-US" dirty="0" err="1"/>
-              <a:t>resources_in_android</a:t>
-            </a:r>
-            <a:r>
-              <a:rPr lang="en-US" dirty="0"/>
-              <a:t>/</a:t>
-            </a:r>
+            <a:endParaRPr lang="en-US" dirty="0"/>
           </a:p>
         </p:txBody>
       </p:sp>
@@ -1280,9 +1417,15 @@
           <a:bodyPr/>
           <a:lstStyle/>
           <a:p>
-            <a:fld id="{01283FAC-A721-45A3-BBDE-EAF2B09B7CD9}" type="slidenum">
+            <a:pPr>
+              <a:defRPr/>
+            </a:pPr>
+            <a:fld id="{BA98A86F-EB23-4656-9EE3-F488F6F23FB7}" type="slidenum">
               <a:rPr lang="en-US" smtClean="0"/>
-              <a:t>22</a:t>
+              <a:pPr>
+                <a:defRPr/>
+              </a:pPr>
+              <a:t>21</a:t>
             </a:fld>
             <a:endParaRPr lang="en-US"/>
           </a:p>
@@ -1291,7 +1434,7 @@
     </p:spTree>
     <p:extLst>
       <p:ext uri="{BB962C8B-B14F-4D97-AF65-F5344CB8AC3E}">
-        <p14:creationId xmlns:p14="http://schemas.microsoft.com/office/powerpoint/2010/main" val="1557575566"/>
+        <p14:creationId xmlns:p14="http://schemas.microsoft.com/office/powerpoint/2010/main" val="508849903"/>
       </p:ext>
     </p:extLst>
   </p:cSld>
@@ -1364,7 +1507,7 @@
             </a:pPr>
             <a:r>
               <a:rPr lang="en-US" b="1" dirty="0"/>
-              <a:t>Notes:</a:t>
+              <a:t>References:</a:t>
             </a:r>
           </a:p>
           <a:p>
@@ -1387,34 +1530,31 @@
             </a:pPr>
             <a:r>
               <a:rPr lang="en-US" dirty="0"/>
-              <a:t>Generated files are regenerated frequently. </a:t>
-            </a:r>
-          </a:p>
-          <a:p>
-            <a:pPr marL="171450" marR="0" lvl="0" indent="-171450" algn="l" defTabSz="914400" rtl="0" eaLnBrk="1" fontAlgn="auto" latinLnBrk="0" hangingPunct="1">
-              <a:lnSpc>
-                <a:spcPct val="100000"/>
-              </a:lnSpc>
-              <a:spcBef>
-                <a:spcPts val="0"/>
-              </a:spcBef>
-              <a:spcAft>
-                <a:spcPts val="0"/>
-              </a:spcAft>
-              <a:buClrTx/>
-              <a:buSzTx/>
-              <a:buFont typeface="Arial" panose="020B0604020202020204" pitchFamily="34" charset="0"/>
-              <a:buChar char="•"/>
-              <a:tabLst/>
-              <a:defRPr/>
-            </a:pPr>
+              <a:t>Android resources: https://</a:t>
+            </a:r>
+            <a:r>
+              <a:rPr lang="en-US" dirty="0" err="1"/>
+              <a:t>developer.xamarin.com</a:t>
+            </a:r>
             <a:r>
               <a:rPr lang="en-US" dirty="0"/>
-              <a:t>Changes by the developer are subject to be overwritten</a:t>
-            </a:r>
-            <a:r>
-              <a:rPr lang="en-US" dirty="0" smtClean="0"/>
-              <a:t>.</a:t>
+              <a:t>/guides/android/</a:t>
+            </a:r>
+            <a:r>
+              <a:rPr lang="en-US" dirty="0" err="1"/>
+              <a:t>application_fundamentals</a:t>
+            </a:r>
+            <a:r>
+              <a:rPr lang="en-US" dirty="0"/>
+              <a:t>/</a:t>
+            </a:r>
+            <a:r>
+              <a:rPr lang="en-US" dirty="0" err="1"/>
+              <a:t>resources_in_android</a:t>
+            </a:r>
+            <a:r>
+              <a:rPr lang="en-US" dirty="0"/>
+              <a:t>/</a:t>
             </a:r>
           </a:p>
         </p:txBody>
@@ -1436,7 +1576,7 @@
           <a:p>
             <a:fld id="{01283FAC-A721-45A3-BBDE-EAF2B09B7CD9}" type="slidenum">
               <a:rPr lang="en-US" smtClean="0"/>
-              <a:t>23</a:t>
+              <a:t>22</a:t>
             </a:fld>
             <a:endParaRPr lang="en-US"/>
           </a:p>
@@ -1445,7 +1585,7 @@
     </p:spTree>
     <p:extLst>
       <p:ext uri="{BB962C8B-B14F-4D97-AF65-F5344CB8AC3E}">
-        <p14:creationId xmlns:p14="http://schemas.microsoft.com/office/powerpoint/2010/main" val="1519874287"/>
+        <p14:creationId xmlns:p14="http://schemas.microsoft.com/office/powerpoint/2010/main" val="1557575566"/>
       </p:ext>
     </p:extLst>
   </p:cSld>
@@ -1499,7 +1639,7 @@
           <a:bodyPr/>
           <a:lstStyle/>
           <a:p>
-            <a:pPr marL="0" marR="0" lvl="0" indent="0" algn="l" defTabSz="914400" rtl="0" eaLnBrk="1" fontAlgn="auto" latinLnBrk="0" hangingPunct="1">
+            <a:pPr marL="171450" marR="0" lvl="0" indent="-171450" algn="l" defTabSz="914400" rtl="0" eaLnBrk="1" fontAlgn="auto" latinLnBrk="0" hangingPunct="1">
               <a:lnSpc>
                 <a:spcPct val="100000"/>
               </a:lnSpc>
@@ -1517,7 +1657,7 @@
               <a:defRPr/>
             </a:pPr>
             <a:r>
-              <a:rPr lang="en-US" b="1" dirty="0" smtClean="0"/>
+              <a:rPr lang="en-US" b="1" dirty="0"/>
               <a:t>Notes:</a:t>
             </a:r>
           </a:p>
@@ -1540,64 +1680,8 @@
               <a:defRPr/>
             </a:pPr>
             <a:r>
-              <a:rPr lang="en-US" dirty="0" smtClean="0"/>
-              <a:t>Providing</a:t>
-            </a:r>
-            <a:r>
-              <a:rPr lang="en-US" baseline="0" dirty="0" smtClean="0"/>
-              <a:t> different layouts for different screen sizes may sometimes be necessary, it is supported in </a:t>
-            </a:r>
-            <a:r>
-              <a:rPr lang="en-US" baseline="0" dirty="0" err="1" smtClean="0"/>
-              <a:t>Xamarin</a:t>
-            </a:r>
-            <a:r>
-              <a:rPr lang="is-IS" baseline="0" dirty="0" smtClean="0"/>
-              <a:t>…</a:t>
-            </a:r>
-            <a:endParaRPr lang="en-US" dirty="0" smtClean="0"/>
-          </a:p>
-          <a:p>
-            <a:pPr marL="0" marR="0" lvl="0" indent="0" algn="l" defTabSz="914400" rtl="0" eaLnBrk="1" fontAlgn="auto" latinLnBrk="0" hangingPunct="1">
-              <a:lnSpc>
-                <a:spcPct val="100000"/>
-              </a:lnSpc>
-              <a:spcBef>
-                <a:spcPts val="0"/>
-              </a:spcBef>
-              <a:spcAft>
-                <a:spcPts val="0"/>
-              </a:spcAft>
-              <a:buClrTx/>
-              <a:buSzTx/>
-              <a:buFont typeface="Arial" panose="020B0604020202020204" pitchFamily="34" charset="0"/>
-              <a:buNone/>
-              <a:tabLst/>
-              <a:defRPr/>
-            </a:pPr>
-            <a:endParaRPr lang="en-US" dirty="0" smtClean="0"/>
-          </a:p>
-          <a:p>
-            <a:pPr marL="0" marR="0" lvl="0" indent="0" algn="l" defTabSz="914400" rtl="0" eaLnBrk="1" fontAlgn="auto" latinLnBrk="0" hangingPunct="1">
-              <a:lnSpc>
-                <a:spcPct val="100000"/>
-              </a:lnSpc>
-              <a:spcBef>
-                <a:spcPts val="0"/>
-              </a:spcBef>
-              <a:spcAft>
-                <a:spcPts val="0"/>
-              </a:spcAft>
-              <a:buClrTx/>
-              <a:buSzTx/>
-              <a:buFont typeface="Arial" panose="020B0604020202020204" pitchFamily="34" charset="0"/>
-              <a:buNone/>
-              <a:tabLst/>
-              <a:defRPr/>
-            </a:pPr>
-            <a:r>
-              <a:rPr lang="en-US" b="1" dirty="0" smtClean="0"/>
-              <a:t>References:</a:t>
+              <a:rPr lang="en-US" dirty="0"/>
+              <a:t>Generated files are regenerated frequently. </a:t>
             </a:r>
           </a:p>
           <a:p>
@@ -1619,41 +1703,13 @@
               <a:defRPr/>
             </a:pPr>
             <a:r>
-              <a:rPr lang="en-US" baseline="0" dirty="0" smtClean="0"/>
-              <a:t>More information on different size layouts: https://</a:t>
-            </a:r>
-            <a:r>
-              <a:rPr lang="en-US" baseline="0" dirty="0" err="1" smtClean="0"/>
-              <a:t>developer.xamarin.com</a:t>
-            </a:r>
-            <a:r>
-              <a:rPr lang="en-US" baseline="0" dirty="0" smtClean="0"/>
-              <a:t>/guides/android/</a:t>
-            </a:r>
-            <a:r>
-              <a:rPr lang="en-US" baseline="0" dirty="0" err="1" smtClean="0"/>
-              <a:t>application_fundamentals</a:t>
-            </a:r>
-            <a:r>
-              <a:rPr lang="en-US" baseline="0" dirty="0" smtClean="0"/>
-              <a:t>/</a:t>
-            </a:r>
-            <a:r>
-              <a:rPr lang="en-US" baseline="0" dirty="0" err="1" smtClean="0"/>
-              <a:t>resources_in_android</a:t>
-            </a:r>
-            <a:r>
-              <a:rPr lang="en-US" baseline="0" dirty="0" smtClean="0"/>
-              <a:t>/part_4_-_creating_resources_for_varying_screens/#</a:t>
-            </a:r>
-            <a:r>
-              <a:rPr lang="en-US" baseline="0" dirty="0" err="1" smtClean="0"/>
-              <a:t>Provide_Alternate_Layouts_for_Different_Screen_Sizes</a:t>
-            </a:r>
-            <a:endParaRPr lang="en-US" baseline="0" dirty="0" smtClean="0"/>
-          </a:p>
-          <a:p>
-            <a:endParaRPr lang="en-US" altLang="ko-KR" dirty="0"/>
+              <a:rPr lang="en-US" dirty="0"/>
+              <a:t>Changes by the developer are subject to be overwritten</a:t>
+            </a:r>
+            <a:r>
+              <a:rPr lang="en-US" dirty="0" smtClean="0"/>
+              <a:t>.</a:t>
+            </a:r>
           </a:p>
         </p:txBody>
       </p:sp>
@@ -1674,7 +1730,7 @@
           <a:p>
             <a:fld id="{01283FAC-A721-45A3-BBDE-EAF2B09B7CD9}" type="slidenum">
               <a:rPr lang="en-US" smtClean="0"/>
-              <a:t>24</a:t>
+              <a:t>23</a:t>
             </a:fld>
             <a:endParaRPr lang="en-US"/>
           </a:p>
@@ -1683,7 +1739,7 @@
     </p:spTree>
     <p:extLst>
       <p:ext uri="{BB962C8B-B14F-4D97-AF65-F5344CB8AC3E}">
-        <p14:creationId xmlns:p14="http://schemas.microsoft.com/office/powerpoint/2010/main" val="1903409117"/>
+        <p14:creationId xmlns:p14="http://schemas.microsoft.com/office/powerpoint/2010/main" val="1519874287"/>
       </p:ext>
     </p:extLst>
   </p:cSld>
@@ -1737,7 +1793,7 @@
           <a:bodyPr/>
           <a:lstStyle/>
           <a:p>
-            <a:pPr marL="171450" marR="0" lvl="0" indent="-171450" algn="l" defTabSz="914400" rtl="0" eaLnBrk="1" fontAlgn="auto" latinLnBrk="0" hangingPunct="1">
+            <a:pPr marL="0" marR="0" lvl="0" indent="0" algn="l" defTabSz="914400" rtl="0" eaLnBrk="1" fontAlgn="auto" latinLnBrk="0" hangingPunct="1">
               <a:lnSpc>
                 <a:spcPct val="100000"/>
               </a:lnSpc>
@@ -1755,7 +1811,7 @@
               <a:defRPr/>
             </a:pPr>
             <a:r>
-              <a:rPr lang="en-US" b="1" dirty="0"/>
+              <a:rPr lang="en-US" b="1" dirty="0" smtClean="0"/>
               <a:t>Notes:</a:t>
             </a:r>
           </a:p>
@@ -1778,8 +1834,64 @@
               <a:defRPr/>
             </a:pPr>
             <a:r>
-              <a:rPr lang="en-US" dirty="0"/>
-              <a:t>Right-click the Android project and select “Properties.” </a:t>
+              <a:rPr lang="en-US" dirty="0" smtClean="0"/>
+              <a:t>Providing</a:t>
+            </a:r>
+            <a:r>
+              <a:rPr lang="en-US" baseline="0" dirty="0" smtClean="0"/>
+              <a:t> different layouts for different screen sizes may sometimes be necessary, it is supported in </a:t>
+            </a:r>
+            <a:r>
+              <a:rPr lang="en-US" baseline="0" dirty="0" err="1" smtClean="0"/>
+              <a:t>Xamarin</a:t>
+            </a:r>
+            <a:r>
+              <a:rPr lang="is-IS" baseline="0" dirty="0" smtClean="0"/>
+              <a:t>…</a:t>
+            </a:r>
+            <a:endParaRPr lang="en-US" dirty="0" smtClean="0"/>
+          </a:p>
+          <a:p>
+            <a:pPr marL="0" marR="0" lvl="0" indent="0" algn="l" defTabSz="914400" rtl="0" eaLnBrk="1" fontAlgn="auto" latinLnBrk="0" hangingPunct="1">
+              <a:lnSpc>
+                <a:spcPct val="100000"/>
+              </a:lnSpc>
+              <a:spcBef>
+                <a:spcPts val="0"/>
+              </a:spcBef>
+              <a:spcAft>
+                <a:spcPts val="0"/>
+              </a:spcAft>
+              <a:buClrTx/>
+              <a:buSzTx/>
+              <a:buFont typeface="Arial" panose="020B0604020202020204" pitchFamily="34" charset="0"/>
+              <a:buNone/>
+              <a:tabLst/>
+              <a:defRPr/>
+            </a:pPr>
+            <a:endParaRPr lang="en-US" dirty="0" smtClean="0"/>
+          </a:p>
+          <a:p>
+            <a:pPr marL="0" marR="0" lvl="0" indent="0" algn="l" defTabSz="914400" rtl="0" eaLnBrk="1" fontAlgn="auto" latinLnBrk="0" hangingPunct="1">
+              <a:lnSpc>
+                <a:spcPct val="100000"/>
+              </a:lnSpc>
+              <a:spcBef>
+                <a:spcPts val="0"/>
+              </a:spcBef>
+              <a:spcAft>
+                <a:spcPts val="0"/>
+              </a:spcAft>
+              <a:buClrTx/>
+              <a:buSzTx/>
+              <a:buFont typeface="Arial" panose="020B0604020202020204" pitchFamily="34" charset="0"/>
+              <a:buNone/>
+              <a:tabLst/>
+              <a:defRPr/>
+            </a:pPr>
+            <a:r>
+              <a:rPr lang="en-US" b="1" dirty="0" smtClean="0"/>
+              <a:t>References:</a:t>
             </a:r>
           </a:p>
           <a:p>
@@ -1801,8 +1913,144 @@
               <a:defRPr/>
             </a:pPr>
             <a:r>
-              <a:rPr lang="en-US" dirty="0"/>
-              <a:t>Click “Android Manifest” on the left-hand menu</a:t>
+              <a:rPr lang="en-US" baseline="0" dirty="0" smtClean="0"/>
+              <a:t>More information on different size layouts: https://</a:t>
+            </a:r>
+            <a:r>
+              <a:rPr lang="en-US" baseline="0" dirty="0" err="1" smtClean="0"/>
+              <a:t>developer.xamarin.com</a:t>
+            </a:r>
+            <a:r>
+              <a:rPr lang="en-US" baseline="0" dirty="0" smtClean="0"/>
+              <a:t>/guides/android/</a:t>
+            </a:r>
+            <a:r>
+              <a:rPr lang="en-US" baseline="0" dirty="0" err="1" smtClean="0"/>
+              <a:t>application_fundamentals</a:t>
+            </a:r>
+            <a:r>
+              <a:rPr lang="en-US" baseline="0" dirty="0" smtClean="0"/>
+              <a:t>/</a:t>
+            </a:r>
+            <a:r>
+              <a:rPr lang="en-US" baseline="0" dirty="0" err="1" smtClean="0"/>
+              <a:t>resources_in_android</a:t>
+            </a:r>
+            <a:r>
+              <a:rPr lang="en-US" baseline="0" dirty="0" smtClean="0"/>
+              <a:t>/part_4_-_creating_resources_for_varying_screens/#</a:t>
+            </a:r>
+            <a:r>
+              <a:rPr lang="en-US" baseline="0" dirty="0" err="1" smtClean="0"/>
+              <a:t>Provide_Alternate_Layouts_for_Different_Screen_Sizes</a:t>
+            </a:r>
+            <a:endParaRPr lang="en-US" baseline="0" dirty="0" smtClean="0"/>
+          </a:p>
+          <a:p>
+            <a:endParaRPr lang="en-US" altLang="ko-KR" dirty="0"/>
+          </a:p>
+        </p:txBody>
+      </p:sp>
+      <p:sp>
+        <p:nvSpPr>
+          <p:cNvPr id="4" name="Slide Number Placeholder 3"/>
+          <p:cNvSpPr>
+            <a:spLocks noGrp="1"/>
+          </p:cNvSpPr>
+          <p:nvPr>
+            <p:ph type="sldNum" sz="quarter" idx="10"/>
+          </p:nvPr>
+        </p:nvSpPr>
+        <p:spPr/>
+        <p:txBody>
+          <a:bodyPr/>
+          <a:lstStyle/>
+          <a:p>
+            <a:fld id="{01283FAC-A721-45A3-BBDE-EAF2B09B7CD9}" type="slidenum">
+              <a:rPr lang="en-US" smtClean="0"/>
+              <a:t>24</a:t>
+            </a:fld>
+            <a:endParaRPr lang="en-US"/>
+          </a:p>
+        </p:txBody>
+      </p:sp>
+    </p:spTree>
+    <p:extLst>
+      <p:ext uri="{BB962C8B-B14F-4D97-AF65-F5344CB8AC3E}">
+        <p14:creationId xmlns:p14="http://schemas.microsoft.com/office/powerpoint/2010/main" val="1903409117"/>
+      </p:ext>
+    </p:extLst>
+  </p:cSld>
+  <p:clrMapOvr>
+    <a:masterClrMapping/>
+  </p:clrMapOvr>
+</p:notes>
+</file>
+
+<file path=ppt/notesSlides/notesSlide17.xml><?xml version="1.0" encoding="utf-8"?>
+<p:notes xmlns:a="http://schemas.openxmlformats.org/drawingml/2006/main" xmlns:r="http://schemas.openxmlformats.org/officeDocument/2006/relationships" xmlns:p="http://schemas.openxmlformats.org/presentationml/2006/main">
+  <p:cSld>
+    <p:spTree>
+      <p:nvGrpSpPr>
+        <p:cNvPr id="1" name=""/>
+        <p:cNvGrpSpPr/>
+        <p:nvPr/>
+      </p:nvGrpSpPr>
+      <p:grpSpPr>
+        <a:xfrm>
+          <a:off x="0" y="0"/>
+          <a:ext cx="0" cy="0"/>
+          <a:chOff x="0" y="0"/>
+          <a:chExt cx="0" cy="0"/>
+        </a:xfrm>
+      </p:grpSpPr>
+      <p:sp>
+        <p:nvSpPr>
+          <p:cNvPr id="2" name="Slide Image Placeholder 1"/>
+          <p:cNvSpPr>
+            <a:spLocks noGrp="1" noRot="1" noChangeAspect="1"/>
+          </p:cNvSpPr>
+          <p:nvPr>
+            <p:ph type="sldImg"/>
+          </p:nvPr>
+        </p:nvSpPr>
+        <p:spPr/>
+      </p:sp>
+      <p:sp>
+        <p:nvSpPr>
+          <p:cNvPr id="3" name="Notes Placeholder 2"/>
+          <p:cNvSpPr>
+            <a:spLocks noGrp="1"/>
+          </p:cNvSpPr>
+          <p:nvPr>
+            <p:ph type="body" idx="1"/>
+          </p:nvPr>
+        </p:nvSpPr>
+        <p:spPr/>
+        <p:txBody>
+          <a:bodyPr/>
+          <a:lstStyle/>
+          <a:p>
+            <a:pPr marL="171450" marR="0" lvl="0" indent="-171450" algn="l" defTabSz="914400" rtl="0" eaLnBrk="1" fontAlgn="auto" latinLnBrk="0" hangingPunct="1">
+              <a:lnSpc>
+                <a:spcPct val="100000"/>
+              </a:lnSpc>
+              <a:spcBef>
+                <a:spcPts val="0"/>
+              </a:spcBef>
+              <a:spcAft>
+                <a:spcPts val="0"/>
+              </a:spcAft>
+              <a:buClrTx/>
+              <a:buSzTx/>
+              <a:buFont typeface="Arial" panose="020B0604020202020204" pitchFamily="34" charset="0"/>
+              <a:buNone/>
+              <a:tabLst/>
+              <a:defRPr/>
+            </a:pPr>
+            <a:r>
+              <a:rPr lang="en-US" b="1" dirty="0"/>
+              <a:t>Notes:</a:t>
             </a:r>
           </a:p>
           <a:p>
@@ -1823,29 +2071,9 @@
               <a:tabLst/>
               <a:defRPr/>
             </a:pPr>
-            <a:endParaRPr lang="en-US" dirty="0"/>
-          </a:p>
-          <a:p>
-            <a:pPr marL="171450" marR="0" lvl="0" indent="-171450" algn="l" defTabSz="914400" rtl="0" eaLnBrk="1" fontAlgn="auto" latinLnBrk="0" hangingPunct="1">
-              <a:lnSpc>
-                <a:spcPct val="100000"/>
-              </a:lnSpc>
-              <a:spcBef>
-                <a:spcPts val="0"/>
-              </a:spcBef>
-              <a:spcAft>
-                <a:spcPts val="0"/>
-              </a:spcAft>
-              <a:buClrTx/>
-              <a:buSzTx/>
-              <a:buFont typeface="Arial" panose="020B0604020202020204" pitchFamily="34" charset="0"/>
-              <a:buNone/>
-              <a:tabLst/>
-              <a:defRPr/>
-            </a:pPr>
-            <a:r>
-              <a:rPr lang="en-US" b="1" dirty="0"/>
-              <a:t>Reference:</a:t>
+            <a:r>
+              <a:rPr lang="en-US" dirty="0"/>
+              <a:t>Right-click the Android project and select “Properties.” </a:t>
             </a:r>
           </a:p>
           <a:p>
@@ -1868,6 +2096,72 @@
             </a:pPr>
             <a:r>
               <a:rPr lang="en-US" dirty="0"/>
+              <a:t>Click “Android Manifest” on the left-hand menu</a:t>
+            </a:r>
+          </a:p>
+          <a:p>
+            <a:pPr marL="171450" marR="0" lvl="0" indent="-171450" algn="l" defTabSz="914400" rtl="0" eaLnBrk="1" fontAlgn="auto" latinLnBrk="0" hangingPunct="1">
+              <a:lnSpc>
+                <a:spcPct val="100000"/>
+              </a:lnSpc>
+              <a:spcBef>
+                <a:spcPts val="0"/>
+              </a:spcBef>
+              <a:spcAft>
+                <a:spcPts val="0"/>
+              </a:spcAft>
+              <a:buClrTx/>
+              <a:buSzTx/>
+              <a:buFont typeface="Arial" panose="020B0604020202020204" pitchFamily="34" charset="0"/>
+              <a:buChar char="•"/>
+              <a:tabLst/>
+              <a:defRPr/>
+            </a:pPr>
+            <a:endParaRPr lang="en-US" dirty="0"/>
+          </a:p>
+          <a:p>
+            <a:pPr marL="171450" marR="0" lvl="0" indent="-171450" algn="l" defTabSz="914400" rtl="0" eaLnBrk="1" fontAlgn="auto" latinLnBrk="0" hangingPunct="1">
+              <a:lnSpc>
+                <a:spcPct val="100000"/>
+              </a:lnSpc>
+              <a:spcBef>
+                <a:spcPts val="0"/>
+              </a:spcBef>
+              <a:spcAft>
+                <a:spcPts val="0"/>
+              </a:spcAft>
+              <a:buClrTx/>
+              <a:buSzTx/>
+              <a:buFont typeface="Arial" panose="020B0604020202020204" pitchFamily="34" charset="0"/>
+              <a:buNone/>
+              <a:tabLst/>
+              <a:defRPr/>
+            </a:pPr>
+            <a:r>
+              <a:rPr lang="en-US" b="1" dirty="0"/>
+              <a:t>Reference:</a:t>
+            </a:r>
+          </a:p>
+          <a:p>
+            <a:pPr marL="171450" marR="0" lvl="0" indent="-171450" algn="l" defTabSz="914400" rtl="0" eaLnBrk="1" fontAlgn="auto" latinLnBrk="0" hangingPunct="1">
+              <a:lnSpc>
+                <a:spcPct val="100000"/>
+              </a:lnSpc>
+              <a:spcBef>
+                <a:spcPts val="0"/>
+              </a:spcBef>
+              <a:spcAft>
+                <a:spcPts val="0"/>
+              </a:spcAft>
+              <a:buClrTx/>
+              <a:buSzTx/>
+              <a:buFont typeface="Arial" panose="020B0604020202020204" pitchFamily="34" charset="0"/>
+              <a:buChar char="•"/>
+              <a:tabLst/>
+              <a:defRPr/>
+            </a:pPr>
+            <a:r>
+              <a:rPr lang="en-US" dirty="0"/>
               <a:t>Android Manifest in Xamarin: https://developer.xamarin.com/guides/android/advanced_topics/working_with_androidmanifest.xml/</a:t>
             </a:r>
           </a:p>
@@ -1910,7 +2204,7 @@
 </p:notes>
 </file>
 
-<file path=ppt/notesSlides/notesSlide17.xml><?xml version="1.0" encoding="utf-8"?>
+<file path=ppt/notesSlides/notesSlide18.xml><?xml version="1.0" encoding="utf-8"?>
 <p:notes xmlns:a="http://schemas.openxmlformats.org/drawingml/2006/main" xmlns:r="http://schemas.openxmlformats.org/officeDocument/2006/relationships" xmlns:p="http://schemas.openxmlformats.org/presentationml/2006/main">
   <p:cSld>
     <p:spTree>
@@ -2091,296 +2385,6 @@
           <a:bodyPr/>
           <a:lstStyle/>
           <a:p>
-            <a:r>
-              <a:rPr lang="en-US" sz="1200" b="1" i="0" u="none" strike="noStrike" kern="1200" baseline="0" dirty="0" smtClean="0">
-                <a:solidFill>
-                  <a:schemeClr val="tx1"/>
-                </a:solidFill>
-                <a:latin typeface="+mn-lt"/>
-                <a:ea typeface="+mn-ea"/>
-                <a:cs typeface="+mn-cs"/>
-              </a:rPr>
-              <a:t>Notes:</a:t>
-            </a:r>
-          </a:p>
-          <a:p>
-            <a:pPr marL="171450" indent="-171450">
-              <a:buFont typeface="Arial"/>
-              <a:buChar char="•"/>
-            </a:pPr>
-            <a:r>
-              <a:rPr lang="en-US" sz="1200" b="0" i="0" u="none" strike="noStrike" kern="1200" baseline="0" dirty="0" err="1" smtClean="0">
-                <a:solidFill>
-                  <a:schemeClr val="tx1"/>
-                </a:solidFill>
-                <a:latin typeface="+mn-lt"/>
-                <a:ea typeface="+mn-ea"/>
-                <a:cs typeface="+mn-cs"/>
-              </a:rPr>
-              <a:t>ListView</a:t>
-            </a:r>
-            <a:r>
-              <a:rPr lang="en-US" sz="1200" b="0" i="0" u="none" strike="noStrike" kern="1200" baseline="0" dirty="0" smtClean="0">
-                <a:solidFill>
-                  <a:schemeClr val="tx1"/>
-                </a:solidFill>
-                <a:latin typeface="+mn-lt"/>
-                <a:ea typeface="+mn-ea"/>
-                <a:cs typeface="+mn-cs"/>
-              </a:rPr>
-              <a:t> </a:t>
-            </a:r>
-            <a:r>
-              <a:rPr lang="en-US" sz="1200" b="0" i="0" u="none" strike="noStrike" kern="1200" baseline="0" dirty="0">
-                <a:solidFill>
-                  <a:schemeClr val="tx1"/>
-                </a:solidFill>
-                <a:latin typeface="+mn-lt"/>
-                <a:ea typeface="+mn-ea"/>
-                <a:cs typeface="+mn-cs"/>
-              </a:rPr>
-              <a:t>is a view group that displays a scrollable list of items. </a:t>
-            </a:r>
-            <a:r>
-              <a:rPr lang="en-US" sz="1200" b="0" i="0" u="none" strike="noStrike" kern="1200" baseline="0" dirty="0" err="1">
-                <a:solidFill>
-                  <a:schemeClr val="tx1"/>
-                </a:solidFill>
-                <a:latin typeface="+mn-lt"/>
-                <a:ea typeface="+mn-ea"/>
-                <a:cs typeface="+mn-cs"/>
-              </a:rPr>
-              <a:t>ListViews</a:t>
-            </a:r>
-            <a:r>
-              <a:rPr lang="en-US" sz="1200" b="0" i="0" u="none" strike="noStrike" kern="1200" baseline="0" dirty="0">
-                <a:solidFill>
-                  <a:schemeClr val="tx1"/>
-                </a:solidFill>
-                <a:latin typeface="+mn-lt"/>
-                <a:ea typeface="+mn-ea"/>
-                <a:cs typeface="+mn-cs"/>
-              </a:rPr>
-              <a:t> are bound to an Array, List, </a:t>
-            </a:r>
-            <a:r>
-              <a:rPr lang="en-US" sz="1200" b="0" i="0" u="none" strike="noStrike" kern="1200" baseline="0" dirty="0" smtClean="0">
-                <a:solidFill>
-                  <a:schemeClr val="tx1"/>
-                </a:solidFill>
-                <a:latin typeface="+mn-lt"/>
-                <a:ea typeface="+mn-ea"/>
-                <a:cs typeface="+mn-cs"/>
-              </a:rPr>
-              <a:t>or data </a:t>
-            </a:r>
-            <a:r>
-              <a:rPr lang="en-US" sz="1200" b="0" i="0" u="none" strike="noStrike" kern="1200" baseline="0" dirty="0">
-                <a:solidFill>
-                  <a:schemeClr val="tx1"/>
-                </a:solidFill>
-                <a:latin typeface="+mn-lt"/>
-                <a:ea typeface="+mn-ea"/>
-                <a:cs typeface="+mn-cs"/>
-              </a:rPr>
-              <a:t>model using an Adapter. </a:t>
-            </a:r>
-            <a:endParaRPr lang="en-US" sz="1200" b="0" i="0" u="none" strike="noStrike" kern="1200" baseline="0" dirty="0" smtClean="0">
-              <a:solidFill>
-                <a:schemeClr val="tx1"/>
-              </a:solidFill>
-              <a:latin typeface="+mn-lt"/>
-              <a:ea typeface="+mn-ea"/>
-              <a:cs typeface="+mn-cs"/>
-            </a:endParaRPr>
-          </a:p>
-          <a:p>
-            <a:pPr marL="171450" indent="-171450">
-              <a:buFont typeface="Arial"/>
-              <a:buChar char="•"/>
-            </a:pPr>
-            <a:r>
-              <a:rPr lang="en-US" sz="1200" b="0" i="0" u="none" strike="noStrike" kern="1200" baseline="0" dirty="0" smtClean="0">
-                <a:solidFill>
-                  <a:schemeClr val="tx1"/>
-                </a:solidFill>
-                <a:latin typeface="+mn-lt"/>
-                <a:ea typeface="+mn-ea"/>
-                <a:cs typeface="+mn-cs"/>
-              </a:rPr>
-              <a:t>They </a:t>
-            </a:r>
-            <a:r>
-              <a:rPr lang="en-US" sz="1200" b="0" i="0" u="none" strike="noStrike" kern="1200" baseline="0" dirty="0">
-                <a:solidFill>
-                  <a:schemeClr val="tx1"/>
-                </a:solidFill>
-                <a:latin typeface="+mn-lt"/>
-                <a:ea typeface="+mn-ea"/>
-                <a:cs typeface="+mn-cs"/>
-              </a:rPr>
-              <a:t>contain several built-in views containing one or two lines of text and </a:t>
-            </a:r>
-            <a:r>
-              <a:rPr lang="en-US" sz="1200" b="0" i="0" u="none" strike="noStrike" kern="1200" baseline="0" dirty="0" smtClean="0">
-                <a:solidFill>
-                  <a:schemeClr val="tx1"/>
-                </a:solidFill>
-                <a:latin typeface="+mn-lt"/>
-                <a:ea typeface="+mn-ea"/>
-                <a:cs typeface="+mn-cs"/>
-              </a:rPr>
-              <a:t>an image</a:t>
-            </a:r>
-            <a:r>
-              <a:rPr lang="en-US" sz="1200" b="0" i="0" u="none" strike="noStrike" kern="1200" baseline="0" dirty="0">
-                <a:solidFill>
-                  <a:schemeClr val="tx1"/>
-                </a:solidFill>
-                <a:latin typeface="+mn-lt"/>
-                <a:ea typeface="+mn-ea"/>
-                <a:cs typeface="+mn-cs"/>
-              </a:rPr>
-              <a:t>. </a:t>
-            </a:r>
-            <a:endParaRPr lang="en-US" sz="1200" b="0" i="0" u="none" strike="noStrike" kern="1200" baseline="0" dirty="0" smtClean="0">
-              <a:solidFill>
-                <a:schemeClr val="tx1"/>
-              </a:solidFill>
-              <a:latin typeface="+mn-lt"/>
-              <a:ea typeface="+mn-ea"/>
-              <a:cs typeface="+mn-cs"/>
-            </a:endParaRPr>
-          </a:p>
-          <a:p>
-            <a:pPr marL="171450" indent="-171450">
-              <a:buFont typeface="Arial"/>
-              <a:buChar char="•"/>
-            </a:pPr>
-            <a:r>
-              <a:rPr lang="en-US" sz="1200" b="0" i="0" u="none" strike="noStrike" kern="1200" baseline="0" dirty="0" smtClean="0">
-                <a:solidFill>
-                  <a:schemeClr val="tx1"/>
-                </a:solidFill>
-                <a:latin typeface="+mn-lt"/>
-                <a:ea typeface="+mn-ea"/>
-                <a:cs typeface="+mn-cs"/>
-              </a:rPr>
-              <a:t>Custom </a:t>
-            </a:r>
-            <a:r>
-              <a:rPr lang="en-US" sz="1200" b="0" i="0" u="none" strike="noStrike" kern="1200" baseline="0" dirty="0">
-                <a:solidFill>
-                  <a:schemeClr val="tx1"/>
-                </a:solidFill>
-                <a:latin typeface="+mn-lt"/>
-                <a:ea typeface="+mn-ea"/>
-                <a:cs typeface="+mn-cs"/>
-              </a:rPr>
-              <a:t>views can be constructed using </a:t>
-            </a:r>
-            <a:r>
-              <a:rPr lang="en-US" sz="1200" b="0" i="0" u="none" strike="noStrike" kern="1200" baseline="0" dirty="0" err="1">
-                <a:solidFill>
-                  <a:schemeClr val="tx1"/>
-                </a:solidFill>
-                <a:latin typeface="+mn-lt"/>
-                <a:ea typeface="+mn-ea"/>
-                <a:cs typeface="+mn-cs"/>
-              </a:rPr>
-              <a:t>LinearLayout</a:t>
-            </a:r>
-            <a:r>
-              <a:rPr lang="en-US" sz="1200" b="0" i="0" u="none" strike="noStrike" kern="1200" baseline="0" dirty="0">
-                <a:solidFill>
-                  <a:schemeClr val="tx1"/>
-                </a:solidFill>
-                <a:latin typeface="+mn-lt"/>
-                <a:ea typeface="+mn-ea"/>
-                <a:cs typeface="+mn-cs"/>
-              </a:rPr>
-              <a:t> at the expense of performance. </a:t>
-            </a:r>
-            <a:endParaRPr lang="en-US" sz="1200" b="0" i="0" u="none" strike="noStrike" kern="1200" baseline="0" dirty="0" smtClean="0">
-              <a:solidFill>
-                <a:schemeClr val="tx1"/>
-              </a:solidFill>
-              <a:latin typeface="+mn-lt"/>
-              <a:ea typeface="+mn-ea"/>
-              <a:cs typeface="+mn-cs"/>
-            </a:endParaRPr>
-          </a:p>
-          <a:p>
-            <a:pPr marL="171450" indent="-171450">
-              <a:buFont typeface="Arial"/>
-              <a:buChar char="•"/>
-            </a:pPr>
-            <a:r>
-              <a:rPr lang="en-US" sz="1200" b="0" i="0" u="none" strike="noStrike" kern="1200" baseline="0" dirty="0" smtClean="0">
-                <a:solidFill>
-                  <a:schemeClr val="tx1"/>
-                </a:solidFill>
-                <a:latin typeface="+mn-lt"/>
-                <a:ea typeface="+mn-ea"/>
-                <a:cs typeface="+mn-cs"/>
-              </a:rPr>
-              <a:t>Used </a:t>
-            </a:r>
-            <a:r>
-              <a:rPr lang="en-US" sz="1200" b="0" i="0" u="none" strike="noStrike" kern="1200" baseline="0" dirty="0">
-                <a:solidFill>
-                  <a:schemeClr val="tx1"/>
-                </a:solidFill>
-                <a:latin typeface="+mn-lt"/>
-                <a:ea typeface="+mn-ea"/>
-                <a:cs typeface="+mn-cs"/>
-              </a:rPr>
-              <a:t>in </a:t>
-            </a:r>
-            <a:r>
-              <a:rPr lang="en-US" sz="1200" b="0" i="0" u="none" strike="noStrike" kern="1200" baseline="0" dirty="0" smtClean="0">
-                <a:solidFill>
-                  <a:schemeClr val="tx1"/>
-                </a:solidFill>
-                <a:latin typeface="+mn-lt"/>
-                <a:ea typeface="+mn-ea"/>
-                <a:cs typeface="+mn-cs"/>
-              </a:rPr>
-              <a:t>its basic </a:t>
-            </a:r>
-            <a:r>
-              <a:rPr lang="en-US" sz="1200" b="0" i="0" u="none" strike="noStrike" kern="1200" baseline="0" dirty="0">
-                <a:solidFill>
-                  <a:schemeClr val="tx1"/>
-                </a:solidFill>
-                <a:latin typeface="+mn-lt"/>
-                <a:ea typeface="+mn-ea"/>
-                <a:cs typeface="+mn-cs"/>
-              </a:rPr>
-              <a:t>form, </a:t>
-            </a:r>
-            <a:r>
-              <a:rPr lang="en-US" sz="1200" b="0" i="0" u="none" strike="noStrike" kern="1200" baseline="0" dirty="0" err="1">
-                <a:solidFill>
-                  <a:schemeClr val="tx1"/>
-                </a:solidFill>
-                <a:latin typeface="+mn-lt"/>
-                <a:ea typeface="+mn-ea"/>
-                <a:cs typeface="+mn-cs"/>
-              </a:rPr>
-              <a:t>ListView</a:t>
-            </a:r>
-            <a:r>
-              <a:rPr lang="en-US" sz="1200" b="0" i="0" u="none" strike="noStrike" kern="1200" baseline="0" dirty="0">
-                <a:solidFill>
-                  <a:schemeClr val="tx1"/>
-                </a:solidFill>
-                <a:latin typeface="+mn-lt"/>
-                <a:ea typeface="+mn-ea"/>
-                <a:cs typeface="+mn-cs"/>
-              </a:rPr>
-              <a:t> is simple and fast.</a:t>
-            </a:r>
             <a:endParaRPr lang="en-US" dirty="0"/>
           </a:p>
         </p:txBody>
@@ -2402,7 +2406,7 @@
           <a:p>
             <a:fld id="{01283FAC-A721-45A3-BBDE-EAF2B09B7CD9}" type="slidenum">
               <a:rPr lang="en-US" smtClean="0"/>
-              <a:t>5</a:t>
+              <a:t>3</a:t>
             </a:fld>
             <a:endParaRPr lang="en-US"/>
           </a:p>
@@ -2411,7 +2415,7 @@
     </p:spTree>
     <p:extLst>
       <p:ext uri="{BB962C8B-B14F-4D97-AF65-F5344CB8AC3E}">
-        <p14:creationId xmlns:p14="http://schemas.microsoft.com/office/powerpoint/2010/main" val="4026428382"/>
+        <p14:creationId xmlns:p14="http://schemas.microsoft.com/office/powerpoint/2010/main" val="1409131640"/>
       </p:ext>
     </p:extLst>
   </p:cSld>
@@ -2465,25 +2469,8 @@
           <a:bodyPr/>
           <a:lstStyle/>
           <a:p>
-            <a:pPr marL="0" marR="0" lvl="0" indent="0" algn="l" defTabSz="914400" rtl="0" eaLnBrk="1" fontAlgn="auto" latinLnBrk="0" hangingPunct="1">
-              <a:lnSpc>
-                <a:spcPct val="100000"/>
-              </a:lnSpc>
-              <a:spcBef>
-                <a:spcPts val="0"/>
-              </a:spcBef>
-              <a:spcAft>
-                <a:spcPts val="0"/>
-              </a:spcAft>
-              <a:buClrTx/>
-              <a:buSzTx/>
-              <a:buFontTx/>
-              <a:buNone/>
-              <a:tabLst/>
-              <a:defRPr/>
-            </a:pPr>
-            <a:r>
-              <a:rPr lang="en-US" sz="1200" b="1" i="0" u="none" strike="noStrike" kern="1200" baseline="0" dirty="0">
+            <a:r>
+              <a:rPr lang="en-US" sz="1200" b="1" i="0" u="none" strike="noStrike" kern="1200" baseline="0" dirty="0" smtClean="0">
                 <a:solidFill>
                   <a:schemeClr val="tx1"/>
                 </a:solidFill>
@@ -2491,29 +2478,16 @@
                 <a:ea typeface="+mn-ea"/>
                 <a:cs typeface="+mn-cs"/>
               </a:rPr>
-              <a:t>References:</a:t>
-            </a:r>
-          </a:p>
-          <a:p>
-            <a:pPr marL="171450" marR="0" lvl="0" indent="-171450" algn="l" defTabSz="914400" rtl="0" eaLnBrk="1" fontAlgn="auto" latinLnBrk="0" hangingPunct="1">
-              <a:lnSpc>
-                <a:spcPct val="100000"/>
-              </a:lnSpc>
-              <a:spcBef>
-                <a:spcPts val="0"/>
-              </a:spcBef>
-              <a:spcAft>
-                <a:spcPts val="0"/>
-              </a:spcAft>
-              <a:buClrTx/>
-              <a:buSzTx/>
+              <a:t>Notes:</a:t>
+            </a:r>
+          </a:p>
+          <a:p>
+            <a:pPr marL="171450" indent="-171450">
               <a:buFont typeface="Arial"/>
               <a:buChar char="•"/>
-              <a:tabLst/>
-              <a:defRPr/>
-            </a:pPr>
-            <a:r>
-              <a:rPr lang="en-US" sz="1200" b="0" i="0" u="none" strike="noStrike" kern="1200" baseline="0" dirty="0">
+            </a:pPr>
+            <a:r>
+              <a:rPr lang="en-US" sz="1200" b="0" i="0" u="none" strike="noStrike" kern="1200" baseline="0" dirty="0" err="1" smtClean="0">
                 <a:solidFill>
                   <a:schemeClr val="tx1"/>
                 </a:solidFill>
@@ -2521,10 +2495,10 @@
                 <a:ea typeface="+mn-ea"/>
                 <a:cs typeface="+mn-cs"/>
               </a:rPr>
-              <a:t>Images from </a:t>
-            </a:r>
-            <a:r>
-              <a:rPr lang="en-US" sz="1200" b="0" i="1" u="none" strike="noStrike" kern="1200" baseline="0" dirty="0">
+              <a:t>ListView</a:t>
+            </a:r>
+            <a:r>
+              <a:rPr lang="en-US" sz="1200" b="0" i="0" u="none" strike="noStrike" kern="1200" baseline="0" dirty="0" smtClean="0">
                 <a:solidFill>
                   <a:schemeClr val="tx1"/>
                 </a:solidFill>
@@ -2532,7 +2506,7 @@
                 <a:ea typeface="+mn-ea"/>
                 <a:cs typeface="+mn-cs"/>
               </a:rPr>
-              <a:t>Xamarin Mobile Application Development </a:t>
+              <a:t> </a:t>
             </a:r>
             <a:r>
               <a:rPr lang="en-US" sz="1200" b="0" i="0" u="none" strike="noStrike" kern="1200" baseline="0" dirty="0">
@@ -2543,8 +2517,249 @@
                 <a:ea typeface="+mn-ea"/>
                 <a:cs typeface="+mn-cs"/>
               </a:rPr>
-              <a:t>by Dan Hermes  http://amzn.to/1rowG7K</a:t>
-            </a:r>
+              <a:t>is a view group that displays a scrollable list of items. </a:t>
+            </a:r>
+            <a:r>
+              <a:rPr lang="en-US" sz="1200" b="0" i="0" u="none" strike="noStrike" kern="1200" baseline="0" dirty="0" err="1">
+                <a:solidFill>
+                  <a:schemeClr val="tx1"/>
+                </a:solidFill>
+                <a:latin typeface="+mn-lt"/>
+                <a:ea typeface="+mn-ea"/>
+                <a:cs typeface="+mn-cs"/>
+              </a:rPr>
+              <a:t>ListViews</a:t>
+            </a:r>
+            <a:r>
+              <a:rPr lang="en-US" sz="1200" b="0" i="0" u="none" strike="noStrike" kern="1200" baseline="0" dirty="0">
+                <a:solidFill>
+                  <a:schemeClr val="tx1"/>
+                </a:solidFill>
+                <a:latin typeface="+mn-lt"/>
+                <a:ea typeface="+mn-ea"/>
+                <a:cs typeface="+mn-cs"/>
+              </a:rPr>
+              <a:t> are bound to an Array, List, </a:t>
+            </a:r>
+            <a:r>
+              <a:rPr lang="en-US" sz="1200" b="0" i="0" u="none" strike="noStrike" kern="1200" baseline="0" dirty="0" smtClean="0">
+                <a:solidFill>
+                  <a:schemeClr val="tx1"/>
+                </a:solidFill>
+                <a:latin typeface="+mn-lt"/>
+                <a:ea typeface="+mn-ea"/>
+                <a:cs typeface="+mn-cs"/>
+              </a:rPr>
+              <a:t>or data </a:t>
+            </a:r>
+            <a:r>
+              <a:rPr lang="en-US" sz="1200" b="0" i="0" u="none" strike="noStrike" kern="1200" baseline="0" dirty="0">
+                <a:solidFill>
+                  <a:schemeClr val="tx1"/>
+                </a:solidFill>
+                <a:latin typeface="+mn-lt"/>
+                <a:ea typeface="+mn-ea"/>
+                <a:cs typeface="+mn-cs"/>
+              </a:rPr>
+              <a:t>model using an Adapter. </a:t>
+            </a:r>
+            <a:endParaRPr lang="en-US" sz="1200" b="0" i="0" u="none" strike="noStrike" kern="1200" baseline="0" dirty="0" smtClean="0">
+              <a:solidFill>
+                <a:schemeClr val="tx1"/>
+              </a:solidFill>
+              <a:latin typeface="+mn-lt"/>
+              <a:ea typeface="+mn-ea"/>
+              <a:cs typeface="+mn-cs"/>
+            </a:endParaRPr>
+          </a:p>
+          <a:p>
+            <a:pPr marL="171450" indent="-171450">
+              <a:buFont typeface="Arial"/>
+              <a:buChar char="•"/>
+            </a:pPr>
+            <a:r>
+              <a:rPr lang="en-US" sz="1200" b="0" i="0" u="none" strike="noStrike" kern="1200" baseline="0" dirty="0" smtClean="0">
+                <a:solidFill>
+                  <a:schemeClr val="tx1"/>
+                </a:solidFill>
+                <a:latin typeface="+mn-lt"/>
+                <a:ea typeface="+mn-ea"/>
+                <a:cs typeface="+mn-cs"/>
+              </a:rPr>
+              <a:t>They </a:t>
+            </a:r>
+            <a:r>
+              <a:rPr lang="en-US" sz="1200" b="0" i="0" u="none" strike="noStrike" kern="1200" baseline="0" dirty="0">
+                <a:solidFill>
+                  <a:schemeClr val="tx1"/>
+                </a:solidFill>
+                <a:latin typeface="+mn-lt"/>
+                <a:ea typeface="+mn-ea"/>
+                <a:cs typeface="+mn-cs"/>
+              </a:rPr>
+              <a:t>contain several built-in views containing one or two lines of text and </a:t>
+            </a:r>
+            <a:r>
+              <a:rPr lang="en-US" sz="1200" b="0" i="0" u="none" strike="noStrike" kern="1200" baseline="0" dirty="0" smtClean="0">
+                <a:solidFill>
+                  <a:schemeClr val="tx1"/>
+                </a:solidFill>
+                <a:latin typeface="+mn-lt"/>
+                <a:ea typeface="+mn-ea"/>
+                <a:cs typeface="+mn-cs"/>
+              </a:rPr>
+              <a:t>an image</a:t>
+            </a:r>
+            <a:r>
+              <a:rPr lang="en-US" sz="1200" b="0" i="0" u="none" strike="noStrike" kern="1200" baseline="0" dirty="0">
+                <a:solidFill>
+                  <a:schemeClr val="tx1"/>
+                </a:solidFill>
+                <a:latin typeface="+mn-lt"/>
+                <a:ea typeface="+mn-ea"/>
+                <a:cs typeface="+mn-cs"/>
+              </a:rPr>
+              <a:t>. </a:t>
+            </a:r>
+            <a:endParaRPr lang="en-US" sz="1200" b="0" i="0" u="none" strike="noStrike" kern="1200" baseline="0" dirty="0" smtClean="0">
+              <a:solidFill>
+                <a:schemeClr val="tx1"/>
+              </a:solidFill>
+              <a:latin typeface="+mn-lt"/>
+              <a:ea typeface="+mn-ea"/>
+              <a:cs typeface="+mn-cs"/>
+            </a:endParaRPr>
+          </a:p>
+          <a:p>
+            <a:pPr marL="171450" indent="-171450">
+              <a:buFont typeface="Arial"/>
+              <a:buChar char="•"/>
+            </a:pPr>
+            <a:r>
+              <a:rPr lang="en-US" sz="1200" b="0" i="0" u="none" strike="noStrike" kern="1200" baseline="0" dirty="0" smtClean="0">
+                <a:solidFill>
+                  <a:schemeClr val="tx1"/>
+                </a:solidFill>
+                <a:latin typeface="+mn-lt"/>
+                <a:ea typeface="+mn-ea"/>
+                <a:cs typeface="+mn-cs"/>
+              </a:rPr>
+              <a:t>Custom </a:t>
+            </a:r>
+            <a:r>
+              <a:rPr lang="en-US" sz="1200" b="0" i="0" u="none" strike="noStrike" kern="1200" baseline="0" dirty="0">
+                <a:solidFill>
+                  <a:schemeClr val="tx1"/>
+                </a:solidFill>
+                <a:latin typeface="+mn-lt"/>
+                <a:ea typeface="+mn-ea"/>
+                <a:cs typeface="+mn-cs"/>
+              </a:rPr>
+              <a:t>views can be constructed using </a:t>
+            </a:r>
+            <a:r>
+              <a:rPr lang="en-US" sz="1200" b="0" i="0" u="none" strike="noStrike" kern="1200" baseline="0" dirty="0" err="1">
+                <a:solidFill>
+                  <a:schemeClr val="tx1"/>
+                </a:solidFill>
+                <a:latin typeface="+mn-lt"/>
+                <a:ea typeface="+mn-ea"/>
+                <a:cs typeface="+mn-cs"/>
+              </a:rPr>
+              <a:t>LinearLayout</a:t>
+            </a:r>
+            <a:r>
+              <a:rPr lang="en-US" sz="1200" b="0" i="0" u="none" strike="noStrike" kern="1200" baseline="0" dirty="0">
+                <a:solidFill>
+                  <a:schemeClr val="tx1"/>
+                </a:solidFill>
+                <a:latin typeface="+mn-lt"/>
+                <a:ea typeface="+mn-ea"/>
+                <a:cs typeface="+mn-cs"/>
+              </a:rPr>
+              <a:t> at the expense of performance. </a:t>
+            </a:r>
+            <a:endParaRPr lang="en-US" sz="1200" b="0" i="0" u="none" strike="noStrike" kern="1200" baseline="0" dirty="0" smtClean="0">
+              <a:solidFill>
+                <a:schemeClr val="tx1"/>
+              </a:solidFill>
+              <a:latin typeface="+mn-lt"/>
+              <a:ea typeface="+mn-ea"/>
+              <a:cs typeface="+mn-cs"/>
+            </a:endParaRPr>
+          </a:p>
+          <a:p>
+            <a:pPr marL="171450" indent="-171450">
+              <a:buFont typeface="Arial"/>
+              <a:buChar char="•"/>
+            </a:pPr>
+            <a:r>
+              <a:rPr lang="en-US" sz="1200" b="0" i="0" u="none" strike="noStrike" kern="1200" baseline="0" dirty="0" smtClean="0">
+                <a:solidFill>
+                  <a:schemeClr val="tx1"/>
+                </a:solidFill>
+                <a:latin typeface="+mn-lt"/>
+                <a:ea typeface="+mn-ea"/>
+                <a:cs typeface="+mn-cs"/>
+              </a:rPr>
+              <a:t>Used </a:t>
+            </a:r>
+            <a:r>
+              <a:rPr lang="en-US" sz="1200" b="0" i="0" u="none" strike="noStrike" kern="1200" baseline="0" dirty="0">
+                <a:solidFill>
+                  <a:schemeClr val="tx1"/>
+                </a:solidFill>
+                <a:latin typeface="+mn-lt"/>
+                <a:ea typeface="+mn-ea"/>
+                <a:cs typeface="+mn-cs"/>
+              </a:rPr>
+              <a:t>in </a:t>
+            </a:r>
+            <a:r>
+              <a:rPr lang="en-US" sz="1200" b="0" i="0" u="none" strike="noStrike" kern="1200" baseline="0" dirty="0" smtClean="0">
+                <a:solidFill>
+                  <a:schemeClr val="tx1"/>
+                </a:solidFill>
+                <a:latin typeface="+mn-lt"/>
+                <a:ea typeface="+mn-ea"/>
+                <a:cs typeface="+mn-cs"/>
+              </a:rPr>
+              <a:t>its basic </a:t>
+            </a:r>
+            <a:r>
+              <a:rPr lang="en-US" sz="1200" b="0" i="0" u="none" strike="noStrike" kern="1200" baseline="0" dirty="0">
+                <a:solidFill>
+                  <a:schemeClr val="tx1"/>
+                </a:solidFill>
+                <a:latin typeface="+mn-lt"/>
+                <a:ea typeface="+mn-ea"/>
+                <a:cs typeface="+mn-cs"/>
+              </a:rPr>
+              <a:t>form, </a:t>
+            </a:r>
+            <a:r>
+              <a:rPr lang="en-US" sz="1200" b="0" i="0" u="none" strike="noStrike" kern="1200" baseline="0" dirty="0" err="1">
+                <a:solidFill>
+                  <a:schemeClr val="tx1"/>
+                </a:solidFill>
+                <a:latin typeface="+mn-lt"/>
+                <a:ea typeface="+mn-ea"/>
+                <a:cs typeface="+mn-cs"/>
+              </a:rPr>
+              <a:t>ListView</a:t>
+            </a:r>
+            <a:r>
+              <a:rPr lang="en-US" sz="1200" b="0" i="0" u="none" strike="noStrike" kern="1200" baseline="0" dirty="0">
+                <a:solidFill>
+                  <a:schemeClr val="tx1"/>
+                </a:solidFill>
+                <a:latin typeface="+mn-lt"/>
+                <a:ea typeface="+mn-ea"/>
+                <a:cs typeface="+mn-cs"/>
+              </a:rPr>
+              <a:t> is simple and fast.</a:t>
+            </a:r>
+            <a:endParaRPr lang="en-US" dirty="0"/>
           </a:p>
         </p:txBody>
       </p:sp>
@@ -2565,7 +2780,7 @@
           <a:p>
             <a:fld id="{01283FAC-A721-45A3-BBDE-EAF2B09B7CD9}" type="slidenum">
               <a:rPr lang="en-US" smtClean="0"/>
-              <a:t>6</a:t>
+              <a:t>5</a:t>
             </a:fld>
             <a:endParaRPr lang="en-US"/>
           </a:p>
@@ -2574,7 +2789,7 @@
     </p:spTree>
     <p:extLst>
       <p:ext uri="{BB962C8B-B14F-4D97-AF65-F5344CB8AC3E}">
-        <p14:creationId xmlns:p14="http://schemas.microsoft.com/office/powerpoint/2010/main" val="1315306270"/>
+        <p14:creationId xmlns:p14="http://schemas.microsoft.com/office/powerpoint/2010/main" val="4026428382"/>
       </p:ext>
     </p:extLst>
   </p:cSld>
@@ -2628,9 +2843,22 @@
           <a:bodyPr/>
           <a:lstStyle/>
           <a:p>
-            <a:pPr marL="0" indent="0">
-              <a:buFont typeface="Arial"/>
-              <a:buNone/>
+            <a:pPr marL="0" marR="0" lvl="0" indent="0" algn="l" defTabSz="914400" rtl="0" eaLnBrk="1" fontAlgn="auto" latinLnBrk="0" hangingPunct="1">
+              <a:lnSpc>
+                <a:spcPct val="100000"/>
+              </a:lnSpc>
+              <a:spcBef>
+                <a:spcPts val="0"/>
+              </a:spcBef>
+              <a:spcAft>
+                <a:spcPts val="0"/>
+              </a:spcAft>
+              <a:buClrTx/>
+              <a:buSzTx/>
+              <a:buFontTx/>
+              <a:buNone/>
+              <a:tabLst/>
+              <a:defRPr/>
             </a:pPr>
             <a:r>
               <a:rPr lang="en-US" sz="1200" b="1" i="0" u="none" strike="noStrike" kern="1200" baseline="0" dirty="0">
@@ -2641,13 +2869,26 @@
                 <a:ea typeface="+mn-ea"/>
                 <a:cs typeface="+mn-cs"/>
               </a:rPr>
-              <a:t>Notes:</a:t>
-            </a:r>
-          </a:p>
-          <a:p>
-            <a:pPr marL="171450" indent="-171450">
+              <a:t>References:</a:t>
+            </a:r>
+          </a:p>
+          <a:p>
+            <a:pPr marL="171450" marR="0" lvl="0" indent="-171450" algn="l" defTabSz="914400" rtl="0" eaLnBrk="1" fontAlgn="auto" latinLnBrk="0" hangingPunct="1">
+              <a:lnSpc>
+                <a:spcPct val="100000"/>
+              </a:lnSpc>
+              <a:spcBef>
+                <a:spcPts val="0"/>
+              </a:spcBef>
+              <a:spcAft>
+                <a:spcPts val="0"/>
+              </a:spcAft>
+              <a:buClrTx/>
+              <a:buSzTx/>
               <a:buFont typeface="Arial"/>
               <a:buChar char="•"/>
+              <a:tabLst/>
+              <a:defRPr/>
             </a:pPr>
             <a:r>
               <a:rPr lang="en-US" sz="1200" b="0" i="0" u="none" strike="noStrike" kern="1200" baseline="0" dirty="0">
@@ -2658,10 +2899,10 @@
                 <a:ea typeface="+mn-ea"/>
                 <a:cs typeface="+mn-cs"/>
               </a:rPr>
-              <a:t>Here you bind the list to an </a:t>
-            </a:r>
-            <a:r>
-              <a:rPr lang="en-US" sz="1200" b="0" i="0" u="none" strike="noStrike" kern="1200" baseline="0" dirty="0" err="1">
+              <a:t>Images from </a:t>
+            </a:r>
+            <a:r>
+              <a:rPr lang="en-US" sz="1200" b="0" i="1" u="none" strike="noStrike" kern="1200" baseline="0" dirty="0">
                 <a:solidFill>
                   <a:schemeClr val="tx1"/>
                 </a:solidFill>
@@ -2669,7 +2910,7 @@
                 <a:ea typeface="+mn-ea"/>
                 <a:cs typeface="+mn-cs"/>
               </a:rPr>
-              <a:t>ArrayAdapter</a:t>
+              <a:t>Xamarin Mobile Application Development </a:t>
             </a:r>
             <a:r>
               <a:rPr lang="en-US" sz="1200" b="0" i="0" u="none" strike="noStrike" kern="1200" baseline="0" dirty="0">
@@ -2680,98 +2921,8 @@
                 <a:ea typeface="+mn-ea"/>
                 <a:cs typeface="+mn-cs"/>
               </a:rPr>
-              <a:t> referring to the array of string’s </a:t>
-            </a:r>
-            <a:r>
-              <a:rPr lang="en-US" sz="1200" b="0" i="0" u="none" strike="noStrike" kern="1200" baseline="0" dirty="0" err="1">
-                <a:solidFill>
-                  <a:schemeClr val="tx1"/>
-                </a:solidFill>
-                <a:latin typeface="+mn-lt"/>
-                <a:ea typeface="+mn-ea"/>
-                <a:cs typeface="+mn-cs"/>
-              </a:rPr>
-              <a:t>listItems</a:t>
-            </a:r>
-            <a:r>
-              <a:rPr lang="en-US" sz="1200" b="0" i="0" u="none" strike="noStrike" kern="1200" baseline="0" dirty="0">
-                <a:solidFill>
-                  <a:schemeClr val="tx1"/>
-                </a:solidFill>
-                <a:latin typeface="+mn-lt"/>
-                <a:ea typeface="+mn-ea"/>
-                <a:cs typeface="+mn-cs"/>
-              </a:rPr>
-              <a:t> using the</a:t>
-            </a:r>
-          </a:p>
-          <a:p>
-            <a:pPr marL="171450" indent="-171450">
-              <a:buFont typeface="Arial"/>
-              <a:buChar char="•"/>
-            </a:pPr>
-            <a:r>
-              <a:rPr lang="en-US" sz="1200" b="0" i="0" u="none" strike="noStrike" kern="1200" baseline="0" dirty="0" err="1">
-                <a:solidFill>
-                  <a:schemeClr val="tx1"/>
-                </a:solidFill>
-                <a:latin typeface="+mn-lt"/>
-                <a:ea typeface="+mn-ea"/>
-                <a:cs typeface="+mn-cs"/>
-              </a:rPr>
-              <a:t>ListActivity’s</a:t>
-            </a:r>
-            <a:r>
-              <a:rPr lang="en-US" sz="1200" b="0" i="0" u="none" strike="noStrike" kern="1200" baseline="0" dirty="0">
-                <a:solidFill>
-                  <a:schemeClr val="tx1"/>
-                </a:solidFill>
-                <a:latin typeface="+mn-lt"/>
-                <a:ea typeface="+mn-ea"/>
-                <a:cs typeface="+mn-cs"/>
-              </a:rPr>
-              <a:t> </a:t>
-            </a:r>
-            <a:r>
-              <a:rPr lang="en-US" sz="1200" b="0" i="0" u="none" strike="noStrike" kern="1200" baseline="0" dirty="0" err="1">
-                <a:solidFill>
-                  <a:schemeClr val="tx1"/>
-                </a:solidFill>
-                <a:latin typeface="+mn-lt"/>
-                <a:ea typeface="+mn-ea"/>
-                <a:cs typeface="+mn-cs"/>
-              </a:rPr>
-              <a:t>ListAdapter</a:t>
-            </a:r>
-            <a:r>
-              <a:rPr lang="en-US" sz="1200" b="0" i="0" u="none" strike="noStrike" kern="1200" baseline="0" dirty="0">
-                <a:solidFill>
-                  <a:schemeClr val="tx1"/>
-                </a:solidFill>
-                <a:latin typeface="+mn-lt"/>
-                <a:ea typeface="+mn-ea"/>
-                <a:cs typeface="+mn-cs"/>
-              </a:rPr>
-              <a:t> property. SimpleListItem1 is a built-in view containing one heading per row.</a:t>
-            </a:r>
-          </a:p>
-          <a:p>
-            <a:pPr marL="171450" indent="-171450">
-              <a:buFont typeface="Arial"/>
-              <a:buChar char="•"/>
-            </a:pPr>
-            <a:r>
-              <a:rPr lang="en-US" sz="1200" b="0" i="0" u="none" strike="noStrike" kern="1200" baseline="0" dirty="0">
-                <a:solidFill>
-                  <a:schemeClr val="tx1"/>
-                </a:solidFill>
-                <a:latin typeface="+mn-lt"/>
-                <a:ea typeface="+mn-ea"/>
-                <a:cs typeface="+mn-cs"/>
-              </a:rPr>
-              <a:t>We will discuss other built-in layouts later.</a:t>
-            </a:r>
-            <a:endParaRPr lang="en-US" dirty="0"/>
+              <a:t>by Dan Hermes  http://amzn.to/1rowG7K</a:t>
+            </a:r>
           </a:p>
         </p:txBody>
       </p:sp>
@@ -2792,7 +2943,7 @@
           <a:p>
             <a:fld id="{01283FAC-A721-45A3-BBDE-EAF2B09B7CD9}" type="slidenum">
               <a:rPr lang="en-US" smtClean="0"/>
-              <a:t>8</a:t>
+              <a:t>6</a:t>
             </a:fld>
             <a:endParaRPr lang="en-US"/>
           </a:p>
@@ -2801,7 +2952,7 @@
     </p:spTree>
     <p:extLst>
       <p:ext uri="{BB962C8B-B14F-4D97-AF65-F5344CB8AC3E}">
-        <p14:creationId xmlns:p14="http://schemas.microsoft.com/office/powerpoint/2010/main" val="3230431582"/>
+        <p14:creationId xmlns:p14="http://schemas.microsoft.com/office/powerpoint/2010/main" val="1315306270"/>
       </p:ext>
     </p:extLst>
   </p:cSld>
@@ -2885,7 +3036,7 @@
                 <a:ea typeface="+mn-ea"/>
                 <a:cs typeface="+mn-cs"/>
               </a:rPr>
-              <a:t>User selection of a list item is handled by overriding the </a:t>
+              <a:t>Here you bind the list to an </a:t>
             </a:r>
             <a:r>
               <a:rPr lang="en-US" sz="1200" b="0" i="0" u="none" strike="noStrike" kern="1200" baseline="0" dirty="0" err="1">
@@ -2896,7 +3047,7 @@
                 <a:ea typeface="+mn-ea"/>
                 <a:cs typeface="+mn-cs"/>
               </a:rPr>
-              <a:t>OnListItemClick</a:t>
+              <a:t>ArrayAdapter</a:t>
             </a:r>
             <a:r>
               <a:rPr lang="en-US" sz="1200" b="0" i="0" u="none" strike="noStrike" kern="1200" baseline="0" dirty="0">
@@ -2907,7 +3058,7 @@
                 <a:ea typeface="+mn-ea"/>
                 <a:cs typeface="+mn-cs"/>
               </a:rPr>
-              <a:t> method in the </a:t>
+              <a:t> referring to the array of string’s </a:t>
             </a:r>
             <a:r>
               <a:rPr lang="en-US" sz="1200" b="0" i="0" u="none" strike="noStrike" kern="1200" baseline="0" dirty="0" err="1">
@@ -2918,7 +3069,7 @@
                 <a:ea typeface="+mn-ea"/>
                 <a:cs typeface="+mn-cs"/>
               </a:rPr>
-              <a:t>ListActivity</a:t>
+              <a:t>listItems</a:t>
             </a:r>
             <a:r>
               <a:rPr lang="en-US" sz="1200" b="0" i="0" u="none" strike="noStrike" kern="1200" baseline="0" dirty="0">
@@ -2929,7 +3080,7 @@
                 <a:ea typeface="+mn-ea"/>
                 <a:cs typeface="+mn-cs"/>
               </a:rPr>
-              <a:t>. </a:t>
+              <a:t> using the</a:t>
             </a:r>
           </a:p>
           <a:p>
@@ -2938,7 +3089,7 @@
               <a:buChar char="•"/>
             </a:pPr>
             <a:r>
-              <a:rPr lang="en-US" sz="1200" b="0" i="0" u="none" strike="noStrike" kern="1200" baseline="0" dirty="0">
+              <a:rPr lang="en-US" sz="1200" b="0" i="0" u="none" strike="noStrike" kern="1200" baseline="0" dirty="0" err="1">
                 <a:solidFill>
                   <a:schemeClr val="tx1"/>
                 </a:solidFill>
@@ -2946,14 +3097,8 @@
                 <a:ea typeface="+mn-ea"/>
                 <a:cs typeface="+mn-cs"/>
               </a:rPr>
-              <a:t>The selected item index is passed in through the parameter called position.</a:t>
-            </a:r>
-          </a:p>
-          <a:p>
-            <a:pPr marL="171450" indent="-171450">
-              <a:buFont typeface="Arial"/>
-              <a:buChar char="•"/>
-            </a:pPr>
+              <a:t>ListActivity’s</a:t>
+            </a:r>
             <a:r>
               <a:rPr lang="en-US" sz="1200" b="0" i="0" u="none" strike="noStrike" kern="1200" baseline="0" dirty="0">
                 <a:solidFill>
@@ -2963,7 +3108,7 @@
                 <a:ea typeface="+mn-ea"/>
                 <a:cs typeface="+mn-cs"/>
               </a:rPr>
-              <a:t>Touching a list item will now cause a toast to appear and display the Title of the </a:t>
+              <a:t> </a:t>
             </a:r>
             <a:r>
               <a:rPr lang="en-US" sz="1200" b="0" i="0" u="none" strike="noStrike" kern="1200" baseline="0" dirty="0" err="1">
@@ -2974,7 +3119,35 @@
                 <a:ea typeface="+mn-ea"/>
                 <a:cs typeface="+mn-cs"/>
               </a:rPr>
-              <a:t>ListItem</a:t>
+              <a:t>ListAdapter</a:t>
+            </a:r>
+            <a:r>
+              <a:rPr lang="en-US" sz="1200" b="0" i="0" u="none" strike="noStrike" kern="1200" baseline="0" dirty="0">
+                <a:solidFill>
+                  <a:schemeClr val="tx1"/>
+                </a:solidFill>
+                <a:latin typeface="+mn-lt"/>
+                <a:ea typeface="+mn-ea"/>
+                <a:cs typeface="+mn-cs"/>
+              </a:rPr>
+              <a:t> property. SimpleListItem1 is a built-in view containing one heading per row.</a:t>
+            </a:r>
+          </a:p>
+          <a:p>
+            <a:pPr marL="171450" indent="-171450">
+              <a:buFont typeface="Arial"/>
+              <a:buChar char="•"/>
+            </a:pPr>
+            <a:r>
+              <a:rPr lang="en-US" sz="1200" b="0" i="0" u="none" strike="noStrike" kern="1200" baseline="0" dirty="0">
+                <a:solidFill>
+                  <a:schemeClr val="tx1"/>
+                </a:solidFill>
+                <a:latin typeface="+mn-lt"/>
+                <a:ea typeface="+mn-ea"/>
+                <a:cs typeface="+mn-cs"/>
+              </a:rPr>
+              <a:t>We will discuss other built-in layouts later.</a:t>
             </a:r>
             <a:endParaRPr lang="en-US" dirty="0"/>
           </a:p>
@@ -2997,7 +3170,7 @@
           <a:p>
             <a:fld id="{01283FAC-A721-45A3-BBDE-EAF2B09B7CD9}" type="slidenum">
               <a:rPr lang="en-US" smtClean="0"/>
-              <a:t>9</a:t>
+              <a:t>8</a:t>
             </a:fld>
             <a:endParaRPr lang="en-US"/>
           </a:p>
@@ -3006,7 +3179,7 @@
     </p:spTree>
     <p:extLst>
       <p:ext uri="{BB962C8B-B14F-4D97-AF65-F5344CB8AC3E}">
-        <p14:creationId xmlns:p14="http://schemas.microsoft.com/office/powerpoint/2010/main" val="3829136518"/>
+        <p14:creationId xmlns:p14="http://schemas.microsoft.com/office/powerpoint/2010/main" val="3230431582"/>
       </p:ext>
     </p:extLst>
   </p:cSld>
@@ -3060,163 +3233,128 @@
           <a:bodyPr/>
           <a:lstStyle/>
           <a:p>
-            <a:r>
-              <a:rPr lang="en-US" b="1" dirty="0"/>
+            <a:pPr marL="0" indent="0">
+              <a:buFont typeface="Arial"/>
+              <a:buNone/>
+            </a:pPr>
+            <a:r>
+              <a:rPr lang="en-US" sz="1200" b="1" i="0" u="none" strike="noStrike" kern="1200" baseline="0" dirty="0">
+                <a:solidFill>
+                  <a:schemeClr val="tx1"/>
+                </a:solidFill>
+                <a:latin typeface="+mn-lt"/>
+                <a:ea typeface="+mn-ea"/>
+                <a:cs typeface="+mn-cs"/>
+              </a:rPr>
               <a:t>Notes:</a:t>
             </a:r>
-            <a:r>
-              <a:rPr lang="en-US" dirty="0"/>
-              <a:t> </a:t>
-            </a:r>
-          </a:p>
-          <a:p>
-            <a:r>
-              <a:rPr lang="en-US" dirty="0"/>
-              <a:t>Also</a:t>
-            </a:r>
-            <a:r>
-              <a:rPr lang="en-US" baseline="0" dirty="0"/>
-              <a:t> needed:</a:t>
-            </a:r>
-          </a:p>
-          <a:p>
+          </a:p>
+          <a:p>
+            <a:pPr marL="171450" indent="-171450">
+              <a:buFont typeface="Arial"/>
+              <a:buChar char="•"/>
+            </a:pPr>
+            <a:r>
+              <a:rPr lang="en-US" sz="1200" b="0" i="0" u="none" strike="noStrike" kern="1200" baseline="0" dirty="0">
+                <a:solidFill>
+                  <a:schemeClr val="tx1"/>
+                </a:solidFill>
+                <a:latin typeface="+mn-lt"/>
+                <a:ea typeface="+mn-ea"/>
+                <a:cs typeface="+mn-cs"/>
+              </a:rPr>
+              <a:t>User selection of a list item is handled by overriding the </a:t>
+            </a:r>
+            <a:r>
+              <a:rPr lang="en-US" sz="1200" b="0" i="0" u="none" strike="noStrike" kern="1200" baseline="0" dirty="0" err="1">
+                <a:solidFill>
+                  <a:schemeClr val="tx1"/>
+                </a:solidFill>
+                <a:latin typeface="+mn-lt"/>
+                <a:ea typeface="+mn-ea"/>
+                <a:cs typeface="+mn-cs"/>
+              </a:rPr>
+              <a:t>OnListItemClick</a:t>
+            </a:r>
+            <a:r>
+              <a:rPr lang="en-US" sz="1200" b="0" i="0" u="none" strike="noStrike" kern="1200" baseline="0" dirty="0">
+                <a:solidFill>
+                  <a:schemeClr val="tx1"/>
+                </a:solidFill>
+                <a:latin typeface="+mn-lt"/>
+                <a:ea typeface="+mn-ea"/>
+                <a:cs typeface="+mn-cs"/>
+              </a:rPr>
+              <a:t> method in the </a:t>
+            </a:r>
+            <a:r>
+              <a:rPr lang="en-US" sz="1200" b="0" i="0" u="none" strike="noStrike" kern="1200" baseline="0" dirty="0" err="1">
+                <a:solidFill>
+                  <a:schemeClr val="tx1"/>
+                </a:solidFill>
+                <a:latin typeface="+mn-lt"/>
+                <a:ea typeface="+mn-ea"/>
+                <a:cs typeface="+mn-cs"/>
+              </a:rPr>
+              <a:t>ListActivity</a:t>
+            </a:r>
+            <a:r>
+              <a:rPr lang="en-US" sz="1200" b="0" i="0" u="none" strike="noStrike" kern="1200" baseline="0" dirty="0">
+                <a:solidFill>
+                  <a:schemeClr val="tx1"/>
+                </a:solidFill>
+                <a:latin typeface="+mn-lt"/>
+                <a:ea typeface="+mn-ea"/>
+                <a:cs typeface="+mn-cs"/>
+              </a:rPr>
+              <a:t>. </a:t>
+            </a:r>
+          </a:p>
+          <a:p>
+            <a:pPr marL="171450" indent="-171450">
+              <a:buFont typeface="Arial"/>
+              <a:buChar char="•"/>
+            </a:pPr>
+            <a:r>
+              <a:rPr lang="en-US" sz="1200" b="0" i="0" u="none" strike="noStrike" kern="1200" baseline="0" dirty="0">
+                <a:solidFill>
+                  <a:schemeClr val="tx1"/>
+                </a:solidFill>
+                <a:latin typeface="+mn-lt"/>
+                <a:ea typeface="+mn-ea"/>
+                <a:cs typeface="+mn-cs"/>
+              </a:rPr>
+              <a:t>The selected item index is passed in through the parameter called position.</a:t>
+            </a:r>
+          </a:p>
+          <a:p>
+            <a:pPr marL="171450" indent="-171450">
+              <a:buFont typeface="Arial"/>
+              <a:buChar char="•"/>
+            </a:pPr>
+            <a:r>
+              <a:rPr lang="en-US" sz="1200" b="0" i="0" u="none" strike="noStrike" kern="1200" baseline="0" dirty="0">
+                <a:solidFill>
+                  <a:schemeClr val="tx1"/>
+                </a:solidFill>
+                <a:latin typeface="+mn-lt"/>
+                <a:ea typeface="+mn-ea"/>
+                <a:cs typeface="+mn-cs"/>
+              </a:rPr>
+              <a:t>Touching a list item will now cause a toast to appear and display the Title of the </a:t>
+            </a:r>
+            <a:r>
+              <a:rPr lang="en-US" sz="1200" b="0" i="0" u="none" strike="noStrike" kern="1200" baseline="0" dirty="0" err="1">
+                <a:solidFill>
+                  <a:schemeClr val="tx1"/>
+                </a:solidFill>
+                <a:latin typeface="+mn-lt"/>
+                <a:ea typeface="+mn-ea"/>
+                <a:cs typeface="+mn-cs"/>
+              </a:rPr>
+              <a:t>ListItem</a:t>
+            </a:r>
             <a:endParaRPr lang="en-US" dirty="0"/>
-          </a:p>
-          <a:p>
-            <a:r>
-              <a:rPr lang="en-US" dirty="0"/>
-              <a:t>        public override </a:t>
-            </a:r>
-            <a:r>
-              <a:rPr lang="en-US" dirty="0" err="1"/>
-              <a:t>int</a:t>
-            </a:r>
-            <a:r>
-              <a:rPr lang="en-US" dirty="0"/>
-              <a:t> Count</a:t>
-            </a:r>
-          </a:p>
-          <a:p>
-            <a:r>
-              <a:rPr lang="en-US" dirty="0"/>
-              <a:t>        {</a:t>
-            </a:r>
-          </a:p>
-          <a:p>
-            <a:r>
-              <a:rPr lang="en-US" dirty="0"/>
-              <a:t>            get { return </a:t>
-            </a:r>
-            <a:r>
-              <a:rPr lang="en-US" dirty="0" err="1"/>
-              <a:t>itemList.Count</a:t>
-            </a:r>
-            <a:r>
-              <a:rPr lang="en-US" dirty="0"/>
-              <a:t>; }</a:t>
-            </a:r>
-          </a:p>
-          <a:p>
-            <a:r>
-              <a:rPr lang="en-US" dirty="0"/>
-              <a:t>        }</a:t>
-            </a:r>
-          </a:p>
-          <a:p>
-            <a:r>
-              <a:rPr lang="en-US" dirty="0"/>
-              <a:t>        public override </a:t>
-            </a:r>
-            <a:r>
-              <a:rPr lang="en-US" dirty="0" err="1"/>
-              <a:t>Java.Lang.Object</a:t>
-            </a:r>
-            <a:r>
-              <a:rPr lang="en-US" dirty="0"/>
-              <a:t> </a:t>
-            </a:r>
-            <a:r>
-              <a:rPr lang="en-US" dirty="0" err="1"/>
-              <a:t>GetItem</a:t>
-            </a:r>
-            <a:r>
-              <a:rPr lang="en-US" dirty="0"/>
-              <a:t>(</a:t>
-            </a:r>
-            <a:r>
-              <a:rPr lang="en-US" dirty="0" err="1"/>
-              <a:t>int</a:t>
-            </a:r>
-            <a:r>
-              <a:rPr lang="en-US" dirty="0"/>
-              <a:t> position)</a:t>
-            </a:r>
-          </a:p>
-          <a:p>
-            <a:r>
-              <a:rPr lang="en-US" dirty="0"/>
-              <a:t>        {</a:t>
-            </a:r>
-          </a:p>
-          <a:p>
-            <a:r>
-              <a:rPr lang="en-US" dirty="0"/>
-              <a:t>            throw new </a:t>
-            </a:r>
-            <a:r>
-              <a:rPr lang="en-US" dirty="0" err="1"/>
-              <a:t>NotImplementedException</a:t>
-            </a:r>
-            <a:r>
-              <a:rPr lang="en-US" dirty="0"/>
-              <a:t>();</a:t>
-            </a:r>
-          </a:p>
-          <a:p>
-            <a:r>
-              <a:rPr lang="en-US" dirty="0"/>
-              <a:t>        }</a:t>
-            </a:r>
-          </a:p>
-          <a:p>
-            <a:r>
-              <a:rPr lang="en-US" dirty="0"/>
-              <a:t>        public override long </a:t>
-            </a:r>
-            <a:r>
-              <a:rPr lang="en-US" dirty="0" err="1"/>
-              <a:t>GetItemId</a:t>
-            </a:r>
-            <a:r>
-              <a:rPr lang="en-US" dirty="0"/>
-              <a:t>(</a:t>
-            </a:r>
-            <a:r>
-              <a:rPr lang="en-US" dirty="0" err="1"/>
-              <a:t>int</a:t>
-            </a:r>
-            <a:r>
-              <a:rPr lang="en-US" dirty="0"/>
-              <a:t> position)</a:t>
-            </a:r>
-          </a:p>
-          <a:p>
-            <a:r>
-              <a:rPr lang="en-US" dirty="0"/>
-              <a:t>        {</a:t>
-            </a:r>
-          </a:p>
-          <a:p>
-            <a:r>
-              <a:rPr lang="en-US" dirty="0"/>
-              <a:t>            return position;</a:t>
-            </a:r>
-          </a:p>
-          <a:p>
-            <a:r>
-              <a:rPr lang="en-US" dirty="0"/>
-              <a:t>        }</a:t>
-            </a:r>
           </a:p>
         </p:txBody>
       </p:sp>
@@ -3237,7 +3375,7 @@
           <a:p>
             <a:fld id="{01283FAC-A721-45A3-BBDE-EAF2B09B7CD9}" type="slidenum">
               <a:rPr lang="en-US" smtClean="0"/>
-              <a:t>14</a:t>
+              <a:t>9</a:t>
             </a:fld>
             <a:endParaRPr lang="en-US"/>
           </a:p>
@@ -3246,7 +3384,7 @@
     </p:spTree>
     <p:extLst>
       <p:ext uri="{BB962C8B-B14F-4D97-AF65-F5344CB8AC3E}">
-        <p14:creationId xmlns:p14="http://schemas.microsoft.com/office/powerpoint/2010/main" val="3400851323"/>
+        <p14:creationId xmlns:p14="http://schemas.microsoft.com/office/powerpoint/2010/main" val="3829136518"/>
       </p:ext>
     </p:extLst>
   </p:cSld>
@@ -3304,33 +3442,159 @@
               <a:rPr lang="en-US" b="1" dirty="0"/>
               <a:t>Notes:</a:t>
             </a:r>
-          </a:p>
-          <a:p>
-            <a:pPr marL="171450" indent="-171450">
-              <a:buFont typeface="Arial"/>
-              <a:buChar char="•"/>
-            </a:pPr>
             <a:r>
               <a:rPr lang="en-US" dirty="0"/>
-              <a:t>Place </a:t>
-            </a:r>
-            <a:r>
-              <a:rPr lang="en-US" sz="1200" dirty="0" err="1"/>
-              <a:t>OnListItemClick</a:t>
-            </a:r>
-            <a:r>
-              <a:rPr lang="en-US" sz="1200" baseline="0" dirty="0"/>
-              <a:t> method</a:t>
-            </a:r>
+              <a:t> </a:t>
+            </a:r>
+          </a:p>
+          <a:p>
             <a:r>
               <a:rPr lang="en-US" dirty="0"/>
-              <a:t> in </a:t>
+              <a:t>Also</a:t>
+            </a:r>
+            <a:r>
+              <a:rPr lang="en-US" baseline="0" dirty="0"/>
+              <a:t> needed:</a:t>
+            </a:r>
+          </a:p>
+          <a:p>
+            <a:endParaRPr lang="en-US" dirty="0"/>
+          </a:p>
+          <a:p>
+            <a:r>
+              <a:rPr lang="en-US" dirty="0"/>
+              <a:t>        public override </a:t>
             </a:r>
             <a:r>
               <a:rPr lang="en-US" dirty="0" err="1"/>
-              <a:t>ListActivity</a:t>
-            </a:r>
-            <a:endParaRPr lang="en-US" dirty="0"/>
+              <a:t>int</a:t>
+            </a:r>
+            <a:r>
+              <a:rPr lang="en-US" dirty="0"/>
+              <a:t> Count</a:t>
+            </a:r>
+          </a:p>
+          <a:p>
+            <a:r>
+              <a:rPr lang="en-US" dirty="0"/>
+              <a:t>        {</a:t>
+            </a:r>
+          </a:p>
+          <a:p>
+            <a:r>
+              <a:rPr lang="en-US" dirty="0"/>
+              <a:t>            get { return </a:t>
+            </a:r>
+            <a:r>
+              <a:rPr lang="en-US" dirty="0" err="1"/>
+              <a:t>itemList.Count</a:t>
+            </a:r>
+            <a:r>
+              <a:rPr lang="en-US" dirty="0"/>
+              <a:t>; }</a:t>
+            </a:r>
+          </a:p>
+          <a:p>
+            <a:r>
+              <a:rPr lang="en-US" dirty="0"/>
+              <a:t>        }</a:t>
+            </a:r>
+          </a:p>
+          <a:p>
+            <a:r>
+              <a:rPr lang="en-US" dirty="0"/>
+              <a:t>        public override </a:t>
+            </a:r>
+            <a:r>
+              <a:rPr lang="en-US" dirty="0" err="1"/>
+              <a:t>Java.Lang.Object</a:t>
+            </a:r>
+            <a:r>
+              <a:rPr lang="en-US" dirty="0"/>
+              <a:t> </a:t>
+            </a:r>
+            <a:r>
+              <a:rPr lang="en-US" dirty="0" err="1"/>
+              <a:t>GetItem</a:t>
+            </a:r>
+            <a:r>
+              <a:rPr lang="en-US" dirty="0"/>
+              <a:t>(</a:t>
+            </a:r>
+            <a:r>
+              <a:rPr lang="en-US" dirty="0" err="1"/>
+              <a:t>int</a:t>
+            </a:r>
+            <a:r>
+              <a:rPr lang="en-US" dirty="0"/>
+              <a:t> position)</a:t>
+            </a:r>
+          </a:p>
+          <a:p>
+            <a:r>
+              <a:rPr lang="en-US" dirty="0"/>
+              <a:t>        {</a:t>
+            </a:r>
+          </a:p>
+          <a:p>
+            <a:r>
+              <a:rPr lang="en-US" dirty="0"/>
+              <a:t>            throw new </a:t>
+            </a:r>
+            <a:r>
+              <a:rPr lang="en-US" dirty="0" err="1"/>
+              <a:t>NotImplementedException</a:t>
+            </a:r>
+            <a:r>
+              <a:rPr lang="en-US" dirty="0"/>
+              <a:t>();</a:t>
+            </a:r>
+          </a:p>
+          <a:p>
+            <a:r>
+              <a:rPr lang="en-US" dirty="0"/>
+              <a:t>        }</a:t>
+            </a:r>
+          </a:p>
+          <a:p>
+            <a:r>
+              <a:rPr lang="en-US" dirty="0"/>
+              <a:t>        public override long </a:t>
+            </a:r>
+            <a:r>
+              <a:rPr lang="en-US" dirty="0" err="1"/>
+              <a:t>GetItemId</a:t>
+            </a:r>
+            <a:r>
+              <a:rPr lang="en-US" dirty="0"/>
+              <a:t>(</a:t>
+            </a:r>
+            <a:r>
+              <a:rPr lang="en-US" dirty="0" err="1"/>
+              <a:t>int</a:t>
+            </a:r>
+            <a:r>
+              <a:rPr lang="en-US" dirty="0"/>
+              <a:t> position)</a:t>
+            </a:r>
+          </a:p>
+          <a:p>
+            <a:r>
+              <a:rPr lang="en-US" dirty="0"/>
+              <a:t>        {</a:t>
+            </a:r>
+          </a:p>
+          <a:p>
+            <a:r>
+              <a:rPr lang="en-US" dirty="0"/>
+              <a:t>            return position;</a:t>
+            </a:r>
+          </a:p>
+          <a:p>
+            <a:r>
+              <a:rPr lang="en-US" dirty="0"/>
+              <a:t>        }</a:t>
+            </a:r>
           </a:p>
         </p:txBody>
       </p:sp>
@@ -3351,7 +3615,7 @@
           <a:p>
             <a:fld id="{01283FAC-A721-45A3-BBDE-EAF2B09B7CD9}" type="slidenum">
               <a:rPr lang="en-US" smtClean="0"/>
-              <a:t>16</a:t>
+              <a:t>14</a:t>
             </a:fld>
             <a:endParaRPr lang="en-US"/>
           </a:p>
@@ -3360,7 +3624,7 @@
     </p:spTree>
     <p:extLst>
       <p:ext uri="{BB962C8B-B14F-4D97-AF65-F5344CB8AC3E}">
-        <p14:creationId xmlns:p14="http://schemas.microsoft.com/office/powerpoint/2010/main" val="1182407419"/>
+        <p14:creationId xmlns:p14="http://schemas.microsoft.com/office/powerpoint/2010/main" val="3400851323"/>
       </p:ext>
     </p:extLst>
   </p:cSld>
@@ -3414,116 +3678,37 @@
           <a:bodyPr/>
           <a:lstStyle/>
           <a:p>
-            <a:pPr marL="0" marR="0" indent="0" algn="l" defTabSz="914400" rtl="0" eaLnBrk="1" fontAlgn="auto" latinLnBrk="0" hangingPunct="1">
-              <a:lnSpc>
-                <a:spcPct val="100000"/>
-              </a:lnSpc>
-              <a:spcBef>
-                <a:spcPts val="0"/>
-              </a:spcBef>
-              <a:spcAft>
-                <a:spcPts val="0"/>
-              </a:spcAft>
-              <a:buClrTx/>
-              <a:buSzTx/>
-              <a:buFontTx/>
-              <a:buNone/>
-              <a:tabLst/>
-              <a:defRPr/>
-            </a:pPr>
             <a:r>
               <a:rPr lang="en-US" b="1" dirty="0"/>
               <a:t>Notes:</a:t>
             </a:r>
           </a:p>
           <a:p>
-            <a:pPr marL="171450" marR="0" indent="-171450" algn="l" defTabSz="914400" rtl="0" eaLnBrk="1" fontAlgn="auto" latinLnBrk="0" hangingPunct="1">
-              <a:lnSpc>
-                <a:spcPct val="100000"/>
-              </a:lnSpc>
-              <a:spcBef>
-                <a:spcPts val="0"/>
-              </a:spcBef>
-              <a:spcAft>
-                <a:spcPts val="0"/>
-              </a:spcAft>
-              <a:buClrTx/>
-              <a:buSzTx/>
+            <a:pPr marL="171450" indent="-171450">
               <a:buFont typeface="Arial"/>
               <a:buChar char="•"/>
-              <a:tabLst/>
-              <a:defRPr/>
             </a:pPr>
             <a:r>
               <a:rPr lang="en-US" dirty="0"/>
-              <a:t>This code attempts to use existing View rows before constructing new ones</a:t>
-            </a:r>
-            <a:r>
-              <a:rPr lang="en-US" dirty="0" smtClean="0"/>
-              <a:t>.</a:t>
-            </a:r>
-          </a:p>
-          <a:p>
-            <a:pPr marL="171450" marR="0" indent="-171450" algn="l" defTabSz="914400" rtl="0" eaLnBrk="1" fontAlgn="auto" latinLnBrk="0" hangingPunct="1">
-              <a:lnSpc>
-                <a:spcPct val="100000"/>
-              </a:lnSpc>
-              <a:spcBef>
-                <a:spcPts val="0"/>
-              </a:spcBef>
-              <a:spcAft>
-                <a:spcPts val="0"/>
-              </a:spcAft>
-              <a:buClrTx/>
-              <a:buSzTx/>
-              <a:buFont typeface="Arial"/>
-              <a:buChar char="•"/>
-              <a:tabLst/>
-              <a:defRPr/>
-            </a:pPr>
-            <a:r>
-              <a:rPr lang="en-US" sz="1200" kern="1200" dirty="0" smtClean="0">
-                <a:solidFill>
-                  <a:schemeClr val="tx1"/>
-                </a:solidFill>
-                <a:effectLst/>
-                <a:latin typeface="+mn-lt"/>
-                <a:ea typeface="+mn-ea"/>
-                <a:cs typeface="+mn-cs"/>
-              </a:rPr>
-              <a:t>It is important to code for performance, which means cell reuse when possible. The </a:t>
-            </a:r>
-            <a:r>
-              <a:rPr lang="en-US" sz="1200" kern="1200" dirty="0" err="1" smtClean="0">
-                <a:solidFill>
-                  <a:schemeClr val="tx1"/>
-                </a:solidFill>
-                <a:effectLst/>
-                <a:latin typeface="+mn-lt"/>
-                <a:ea typeface="+mn-ea"/>
-                <a:cs typeface="+mn-cs"/>
-              </a:rPr>
-              <a:t>GetView</a:t>
-            </a:r>
-            <a:r>
-              <a:rPr lang="en-US" sz="1200" kern="1200" dirty="0" smtClean="0">
-                <a:solidFill>
-                  <a:schemeClr val="tx1"/>
-                </a:solidFill>
-                <a:effectLst/>
-                <a:latin typeface="+mn-lt"/>
-                <a:ea typeface="+mn-ea"/>
-                <a:cs typeface="+mn-cs"/>
-              </a:rPr>
-              <a:t> of the adapter constructs each row of the list as needed.  The View parameter contains an existing row, if one exists.  This should be used if possible.  If it is null, then a new row must be created, using the Inflate method.</a:t>
-            </a:r>
-            <a:r>
-              <a:rPr lang="en-US" dirty="0" smtClean="0">
-                <a:effectLst/>
-              </a:rPr>
-              <a:t> </a:t>
-            </a:r>
-            <a:endParaRPr lang="en-US" dirty="0" smtClean="0"/>
+              <a:t>Place </a:t>
+            </a:r>
+            <a:r>
+              <a:rPr lang="en-US" sz="1200" dirty="0" err="1"/>
+              <a:t>OnListItemClick</a:t>
+            </a:r>
+            <a:r>
+              <a:rPr lang="en-US" sz="1200" baseline="0" dirty="0"/>
+              <a:t> method</a:t>
+            </a:r>
+            <a:r>
+              <a:rPr lang="en-US" dirty="0"/>
+              <a:t> in </a:t>
+            </a:r>
+            <a:r>
+              <a:rPr lang="en-US" dirty="0" err="1"/>
+              <a:t>ListActivity</a:t>
+            </a:r>
+            <a:endParaRPr lang="en-US" dirty="0"/>
           </a:p>
         </p:txBody>
       </p:sp>
@@ -3542,15 +3727,9 @@
           <a:bodyPr/>
           <a:lstStyle/>
           <a:p>
-            <a:pPr>
-              <a:defRPr/>
-            </a:pPr>
-            <a:fld id="{BA98A86F-EB23-4656-9EE3-F488F6F23FB7}" type="slidenum">
+            <a:fld id="{01283FAC-A721-45A3-BBDE-EAF2B09B7CD9}" type="slidenum">
               <a:rPr lang="en-US" smtClean="0"/>
-              <a:pPr>
-                <a:defRPr/>
-              </a:pPr>
-              <a:t>17</a:t>
+              <a:t>16</a:t>
             </a:fld>
             <a:endParaRPr lang="en-US"/>
           </a:p>
@@ -3559,7 +3738,7 @@
     </p:spTree>
     <p:extLst>
       <p:ext uri="{BB962C8B-B14F-4D97-AF65-F5344CB8AC3E}">
-        <p14:creationId xmlns:p14="http://schemas.microsoft.com/office/powerpoint/2010/main" val="3257133621"/>
+        <p14:creationId xmlns:p14="http://schemas.microsoft.com/office/powerpoint/2010/main" val="1182407419"/>
       </p:ext>
     </p:extLst>
   </p:cSld>
@@ -3613,100 +3792,116 @@
           <a:bodyPr/>
           <a:lstStyle/>
           <a:p>
-            <a:pPr marL="0" marR="0" indent="0" algn="l" defTabSz="914400" rtl="0" eaLnBrk="0" fontAlgn="base" latinLnBrk="0" hangingPunct="0">
+            <a:pPr marL="0" marR="0" indent="0" algn="l" defTabSz="914400" rtl="0" eaLnBrk="1" fontAlgn="auto" latinLnBrk="0" hangingPunct="1">
               <a:lnSpc>
                 <a:spcPct val="100000"/>
               </a:lnSpc>
               <a:spcBef>
-                <a:spcPct val="30000"/>
+                <a:spcPts val="0"/>
               </a:spcBef>
               <a:spcAft>
-                <a:spcPct val="0"/>
+                <a:spcPts val="0"/>
+              </a:spcAft>
+              <a:buClrTx/>
+              <a:buSzTx/>
+              <a:buFontTx/>
+              <a:buNone/>
+              <a:tabLst/>
+              <a:defRPr/>
+            </a:pPr>
+            <a:r>
+              <a:rPr lang="en-US" b="1" dirty="0"/>
+              <a:t>Notes:</a:t>
+            </a:r>
+          </a:p>
+          <a:p>
+            <a:pPr marL="171450" marR="0" indent="-171450" algn="l" defTabSz="914400" rtl="0" eaLnBrk="1" fontAlgn="auto" latinLnBrk="0" hangingPunct="1">
+              <a:lnSpc>
+                <a:spcPct val="100000"/>
+              </a:lnSpc>
+              <a:spcBef>
+                <a:spcPts val="0"/>
+              </a:spcBef>
+              <a:spcAft>
+                <a:spcPts val="0"/>
               </a:spcAft>
               <a:buClrTx/>
               <a:buSzTx/>
               <a:buFont typeface="Arial"/>
-              <a:buNone/>
+              <a:buChar char="•"/>
               <a:tabLst/>
               <a:defRPr/>
             </a:pPr>
             <a:r>
-              <a:rPr lang="en-US" b="1" dirty="0"/>
-              <a:t>Notes:</a:t>
-            </a:r>
-          </a:p>
-          <a:p>
-            <a:pPr marL="171450" indent="-171450">
+              <a:rPr lang="en-US" dirty="0"/>
+              <a:t>This code attempts to use existing View rows before constructing new ones</a:t>
+            </a:r>
+            <a:r>
+              <a:rPr lang="en-US" dirty="0" smtClean="0"/>
+              <a:t>.</a:t>
+            </a:r>
+          </a:p>
+          <a:p>
+            <a:pPr marL="171450" marR="0" indent="-171450" algn="l" defTabSz="914400" rtl="0" eaLnBrk="1" fontAlgn="auto" latinLnBrk="0" hangingPunct="1">
+              <a:lnSpc>
+                <a:spcPct val="100000"/>
+              </a:lnSpc>
+              <a:spcBef>
+                <a:spcPts val="0"/>
+              </a:spcBef>
+              <a:spcAft>
+                <a:spcPts val="0"/>
+              </a:spcAft>
+              <a:buClrTx/>
+              <a:buSzTx/>
               <a:buFont typeface="Arial"/>
               <a:buChar char="•"/>
-            </a:pPr>
-            <a:r>
-              <a:rPr lang="en-US" sz="1200" b="0" i="0" u="none" strike="noStrike" kern="1200" baseline="0" dirty="0">
+              <a:tabLst/>
+              <a:defRPr/>
+            </a:pPr>
+            <a:r>
+              <a:rPr lang="en-US" sz="1200" kern="1200" dirty="0" smtClean="0">
                 <a:solidFill>
                   <a:schemeClr val="tx1"/>
                 </a:solidFill>
+                <a:effectLst/>
                 <a:latin typeface="+mn-lt"/>
                 <a:ea typeface="+mn-ea"/>
                 <a:cs typeface="+mn-cs"/>
               </a:rPr>
-              <a:t>Intents create and navigate to new screens on Android. Instantiate an intent with the parameter of </a:t>
-            </a:r>
-            <a:r>
-              <a:rPr lang="en-US" sz="1200" b="0" i="0" u="none" strike="noStrike" kern="1200" baseline="0" dirty="0" smtClean="0">
+              <a:t>It is important to code for performance, which means cell reuse when possible. The </a:t>
+            </a:r>
+            <a:r>
+              <a:rPr lang="en-US" sz="1200" kern="1200" dirty="0" err="1" smtClean="0">
                 <a:solidFill>
                   <a:schemeClr val="tx1"/>
                 </a:solidFill>
+                <a:effectLst/>
                 <a:latin typeface="+mn-lt"/>
                 <a:ea typeface="+mn-ea"/>
                 <a:cs typeface="+mn-cs"/>
               </a:rPr>
-              <a:t>the desired </a:t>
-            </a:r>
-            <a:r>
-              <a:rPr lang="en-US" sz="1200" b="0" i="0" u="none" strike="noStrike" kern="1200" baseline="0" dirty="0">
+              <a:t>GetView</a:t>
+            </a:r>
+            <a:r>
+              <a:rPr lang="en-US" sz="1200" kern="1200" dirty="0" smtClean="0">
                 <a:solidFill>
                   <a:schemeClr val="tx1"/>
                 </a:solidFill>
+                <a:effectLst/>
                 <a:latin typeface="+mn-lt"/>
                 <a:ea typeface="+mn-ea"/>
                 <a:cs typeface="+mn-cs"/>
               </a:rPr>
-              <a:t>new activity, and then call the </a:t>
-            </a:r>
-            <a:r>
-              <a:rPr lang="en-US" sz="1200" b="0" i="0" u="none" strike="noStrike" kern="1200" baseline="0" dirty="0" err="1">
-                <a:solidFill>
-                  <a:schemeClr val="tx1"/>
-                </a:solidFill>
-                <a:latin typeface="+mn-lt"/>
-                <a:ea typeface="+mn-ea"/>
-                <a:cs typeface="+mn-cs"/>
+              <a:t> of the adapter constructs each row of the list as needed.  The View parameter contains an existing row, if one exists.  This should be used if possible.  If it is null, then a new row must be created, using the Inflate method.</a:t>
+            </a:r>
+            <a:r>
+              <a:rPr lang="en-US" dirty="0" smtClean="0">
+                <a:effectLst/>
               </a:rPr>
-              <a:t>Activity.StartActivity</a:t>
-            </a:r>
-            <a:r>
-              <a:rPr lang="en-US" sz="1200" b="0" i="0" u="none" strike="noStrike" kern="1200" baseline="0" dirty="0">
-                <a:solidFill>
-                  <a:schemeClr val="tx1"/>
-                </a:solidFill>
-                <a:latin typeface="+mn-lt"/>
-                <a:ea typeface="+mn-ea"/>
-                <a:cs typeface="+mn-cs"/>
-              </a:rPr>
-              <a:t> method, passing in the intent</a:t>
-            </a:r>
-            <a:r>
-              <a:rPr lang="en-US" sz="1200" b="0" i="0" u="none" strike="noStrike" kern="1200" baseline="0" dirty="0" smtClean="0">
-                <a:solidFill>
-                  <a:schemeClr val="tx1"/>
-                </a:solidFill>
-                <a:latin typeface="+mn-lt"/>
-                <a:ea typeface="+mn-ea"/>
-                <a:cs typeface="+mn-cs"/>
-              </a:rPr>
-              <a:t>.</a:t>
-            </a:r>
-            <a:endParaRPr lang="en-US" dirty="0"/>
+              <a:t> </a:t>
+            </a:r>
+            <a:endParaRPr lang="en-US" dirty="0" smtClean="0"/>
           </a:p>
         </p:txBody>
       </p:sp>
@@ -3733,7 +3928,7 @@
               <a:pPr>
                 <a:defRPr/>
               </a:pPr>
-              <a:t>18</a:t>
+              <a:t>17</a:t>
             </a:fld>
             <a:endParaRPr lang="en-US"/>
           </a:p>
@@ -3742,7 +3937,7 @@
     </p:spTree>
     <p:extLst>
       <p:ext uri="{BB962C8B-B14F-4D97-AF65-F5344CB8AC3E}">
-        <p14:creationId xmlns:p14="http://schemas.microsoft.com/office/powerpoint/2010/main" val="3040930827"/>
+        <p14:creationId xmlns:p14="http://schemas.microsoft.com/office/powerpoint/2010/main" val="3257133621"/>
       </p:ext>
     </p:extLst>
   </p:cSld>
@@ -3900,7 +4095,7 @@
           <a:p>
             <a:fld id="{0459C166-16D3-4A25-A2F8-C51E0E346B22}" type="datetimeFigureOut">
               <a:rPr lang="en-US" smtClean="0"/>
-              <a:t>7/12/16</a:t>
+              <a:t>9/9/16</a:t>
             </a:fld>
             <a:endParaRPr lang="en-US"/>
           </a:p>
@@ -4264,7 +4459,7 @@
           <a:p>
             <a:fld id="{0459C166-16D3-4A25-A2F8-C51E0E346B22}" type="datetimeFigureOut">
               <a:rPr lang="en-US" smtClean="0"/>
-              <a:t>7/12/16</a:t>
+              <a:t>9/9/16</a:t>
             </a:fld>
             <a:endParaRPr lang="en-US"/>
           </a:p>
@@ -4381,7 +4576,7 @@
           <a:p>
             <a:fld id="{0459C166-16D3-4A25-A2F8-C51E0E346B22}" type="datetimeFigureOut">
               <a:rPr lang="en-US" smtClean="0"/>
-              <a:t>7/12/16</a:t>
+              <a:t>9/9/16</a:t>
             </a:fld>
             <a:endParaRPr lang="en-US"/>
           </a:p>
@@ -4549,7 +4744,7 @@
           <a:p>
             <a:fld id="{0459C166-16D3-4A25-A2F8-C51E0E346B22}" type="datetimeFigureOut">
               <a:rPr lang="en-US" smtClean="0"/>
-              <a:t>7/12/16</a:t>
+              <a:t>9/9/16</a:t>
             </a:fld>
             <a:endParaRPr lang="en-US"/>
           </a:p>
@@ -4813,7 +5008,7 @@
             <a:fld id="{0459C166-16D3-4A25-A2F8-C51E0E346B22}" type="datetimeFigureOut">
               <a:rPr lang="en-US" smtClean="0"/>
               <a:pPr/>
-              <a:t>7/12/16</a:t>
+              <a:t>9/9/16</a:t>
             </a:fld>
             <a:endParaRPr lang="en-US"/>
           </a:p>
@@ -5129,7 +5324,7 @@
           <a:p>
             <a:fld id="{0459C166-16D3-4A25-A2F8-C51E0E346B22}" type="datetimeFigureOut">
               <a:rPr lang="en-US" smtClean="0"/>
-              <a:t>7/12/16</a:t>
+              <a:t>9/9/16</a:t>
             </a:fld>
             <a:endParaRPr lang="en-US"/>
           </a:p>
@@ -5526,7 +5721,7 @@
           <a:p>
             <a:fld id="{0459C166-16D3-4A25-A2F8-C51E0E346B22}" type="datetimeFigureOut">
               <a:rPr lang="en-US" smtClean="0"/>
-              <a:t>7/12/16</a:t>
+              <a:t>9/9/16</a:t>
             </a:fld>
             <a:endParaRPr lang="en-US"/>
           </a:p>
@@ -6489,7 +6684,7 @@
           <a:p>
             <a:fld id="{0459C166-16D3-4A25-A2F8-C51E0E346B22}" type="datetimeFigureOut">
               <a:rPr lang="en-US" smtClean="0"/>
-              <a:t>7/12/16</a:t>
+              <a:t>9/9/16</a:t>
             </a:fld>
             <a:endParaRPr lang="en-US"/>
           </a:p>
@@ -6700,7 +6895,7 @@
           <a:p>
             <a:fld id="{0459C166-16D3-4A25-A2F8-C51E0E346B22}" type="datetimeFigureOut">
               <a:rPr lang="en-US" smtClean="0"/>
-              <a:t>7/12/16</a:t>
+              <a:t>9/9/16</a:t>
             </a:fld>
             <a:endParaRPr lang="en-US"/>
           </a:p>
@@ -10494,14 +10689,14 @@
                 <a:gridCol w="3706437">
                   <a:extLst>
                     <a:ext uri="{9D8B030D-6E8A-4147-A177-3AD203B41FA5}">
-                      <a16:colId xmlns:a16="http://schemas.microsoft.com/office/drawing/2014/main" xmlns="" val="48614039"/>
+                      <a16:colId xmlns="" xmlns:a16="http://schemas.microsoft.com/office/drawing/2014/main" val="48614039"/>
                     </a:ext>
                   </a:extLst>
                 </a:gridCol>
                 <a:gridCol w="6742419">
                   <a:extLst>
                     <a:ext uri="{9D8B030D-6E8A-4147-A177-3AD203B41FA5}">
-                      <a16:colId xmlns:a16="http://schemas.microsoft.com/office/drawing/2014/main" xmlns="" val="1124546490"/>
+                      <a16:colId xmlns="" xmlns:a16="http://schemas.microsoft.com/office/drawing/2014/main" val="1124546490"/>
                     </a:ext>
                   </a:extLst>
                 </a:gridCol>
@@ -10558,7 +10753,7 @@
                 </a:tc>
                 <a:extLst>
                   <a:ext uri="{0D108BD9-81ED-4DB2-BD59-A6C34878D82A}">
-                    <a16:rowId xmlns:a16="http://schemas.microsoft.com/office/drawing/2014/main" xmlns="" val="679667022"/>
+                    <a16:rowId xmlns="" xmlns:a16="http://schemas.microsoft.com/office/drawing/2014/main" val="679667022"/>
                   </a:ext>
                 </a:extLst>
               </a:tr>
@@ -10606,7 +10801,7 @@
                 </a:tc>
                 <a:extLst>
                   <a:ext uri="{0D108BD9-81ED-4DB2-BD59-A6C34878D82A}">
-                    <a16:rowId xmlns:a16="http://schemas.microsoft.com/office/drawing/2014/main" xmlns="" val="2034482246"/>
+                    <a16:rowId xmlns="" xmlns:a16="http://schemas.microsoft.com/office/drawing/2014/main" val="2034482246"/>
                   </a:ext>
                 </a:extLst>
               </a:tr>
@@ -10654,7 +10849,7 @@
                 </a:tc>
                 <a:extLst>
                   <a:ext uri="{0D108BD9-81ED-4DB2-BD59-A6C34878D82A}">
-                    <a16:rowId xmlns:a16="http://schemas.microsoft.com/office/drawing/2014/main" xmlns="" val="682465758"/>
+                    <a16:rowId xmlns="" xmlns:a16="http://schemas.microsoft.com/office/drawing/2014/main" val="682465758"/>
                   </a:ext>
                 </a:extLst>
               </a:tr>
@@ -10701,7 +10896,7 @@
                 </a:tc>
                 <a:extLst>
                   <a:ext uri="{0D108BD9-81ED-4DB2-BD59-A6C34878D82A}">
-                    <a16:rowId xmlns:a16="http://schemas.microsoft.com/office/drawing/2014/main" xmlns="" val="4230228483"/>
+                    <a16:rowId xmlns="" xmlns:a16="http://schemas.microsoft.com/office/drawing/2014/main" val="4230228483"/>
                   </a:ext>
                 </a:extLst>
               </a:tr>
@@ -14427,7 +14622,7 @@
   <a:extraClrSchemeLst/>
   <a:extLst>
     <a:ext uri="{05A4C25C-085E-4340-85A3-A5531E510DB2}">
-      <thm15:themeFamily xmlns:thm15="http://schemas.microsoft.com/office/thememl/2012/main" xmlns="" name="Office Theme" id="{62F939B6-93AF-4DB8-9C6B-D6C7DFDC589F}" vid="{4A3C46E8-61CC-4603-A589-7422A47A8E4A}"/>
+      <thm15:themeFamily xmlns:thm15="http://schemas.microsoft.com/office/thememl/2012/main" name="Office Theme" id="{62F939B6-93AF-4DB8-9C6B-D6C7DFDC589F}" vid="{4A3C46E8-61CC-4603-A589-7422A47A8E4A}"/>
     </a:ext>
   </a:extLst>
 </a:theme>
